--- a/1/slide_w1+2.pptx
+++ b/1/slide_w1+2.pptx
@@ -5,23 +5,24 @@
     <p:sldMasterId id="2147483648" r:id="rId4"/>
   </p:sldMasterIdLst>
   <p:notesMasterIdLst>
-    <p:notesMasterId r:id="rId16"/>
+    <p:notesMasterId r:id="rId17"/>
   </p:notesMasterIdLst>
   <p:handoutMasterIdLst>
-    <p:handoutMasterId r:id="rId17"/>
+    <p:handoutMasterId r:id="rId18"/>
   </p:handoutMasterIdLst>
   <p:sldIdLst>
     <p:sldId id="300" r:id="rId5"/>
     <p:sldId id="301" r:id="rId6"/>
     <p:sldId id="297" r:id="rId7"/>
     <p:sldId id="276" r:id="rId8"/>
-    <p:sldId id="275" r:id="rId9"/>
-    <p:sldId id="277" r:id="rId10"/>
-    <p:sldId id="299" r:id="rId11"/>
-    <p:sldId id="294" r:id="rId12"/>
-    <p:sldId id="295" r:id="rId13"/>
-    <p:sldId id="302" r:id="rId14"/>
-    <p:sldId id="289" r:id="rId15"/>
+    <p:sldId id="303" r:id="rId9"/>
+    <p:sldId id="275" r:id="rId10"/>
+    <p:sldId id="277" r:id="rId11"/>
+    <p:sldId id="299" r:id="rId12"/>
+    <p:sldId id="294" r:id="rId13"/>
+    <p:sldId id="295" r:id="rId14"/>
+    <p:sldId id="302" r:id="rId15"/>
+    <p:sldId id="289" r:id="rId16"/>
   </p:sldIdLst>
   <p:sldSz cx="12192000" cy="6858000"/>
   <p:notesSz cx="6858000" cy="9144000"/>
@@ -242,7 +243,7 @@
           <a:p>
             <a:fld id="{8CD26A2A-0A96-0647-84E5-C82F2EFD9474}" type="datetimeFigureOut">
               <a:rPr lang="en-US" smtClean="0"/>
-              <a:t>3/20/2024</a:t>
+              <a:t>4/8/2024</a:t>
             </a:fld>
             <a:endParaRPr lang="en-US" dirty="0"/>
           </a:p>
@@ -431,7 +432,7 @@
           <a:p>
             <a:fld id="{546253B2-FD87-4AAE-AF69-14FE02FB4D05}" type="datetimeFigureOut">
               <a:rPr lang="en-US" smtClean="0"/>
-              <a:t>3/20/2024</a:t>
+              <a:t>4/8/2024</a:t>
             </a:fld>
             <a:endParaRPr lang="en-US"/>
           </a:p>
@@ -1036,7 +1037,7 @@
     </p:spTree>
     <p:extLst>
       <p:ext uri="{BB962C8B-B14F-4D97-AF65-F5344CB8AC3E}">
-        <p14:creationId xmlns:p14="http://schemas.microsoft.com/office/powerpoint/2010/main" val="2584862706"/>
+        <p14:creationId xmlns:p14="http://schemas.microsoft.com/office/powerpoint/2010/main" val="1781676937"/>
       </p:ext>
     </p:extLst>
   </p:cSld>
@@ -1144,7 +1145,7 @@
     </p:spTree>
     <p:extLst>
       <p:ext uri="{BB962C8B-B14F-4D97-AF65-F5344CB8AC3E}">
-        <p14:creationId xmlns:p14="http://schemas.microsoft.com/office/powerpoint/2010/main" val="1259178731"/>
+        <p14:creationId xmlns:p14="http://schemas.microsoft.com/office/powerpoint/2010/main" val="2584862706"/>
       </p:ext>
     </p:extLst>
   </p:cSld>
@@ -1243,7 +1244,7 @@
           <a:p>
             <a:fld id="{017105BD-6D6F-49DB-9DE4-D4A6452D7E5F}" type="slidenum">
               <a:rPr lang="en-US" altLang="zh-CN" noProof="0" smtClean="0"/>
-              <a:t>8</a:t>
+              <a:t>7</a:t>
             </a:fld>
             <a:endParaRPr lang="en-US" altLang="zh-CN" noProof="0"/>
           </a:p>
@@ -1252,7 +1253,7 @@
     </p:spTree>
     <p:extLst>
       <p:ext uri="{BB962C8B-B14F-4D97-AF65-F5344CB8AC3E}">
-        <p14:creationId xmlns:p14="http://schemas.microsoft.com/office/powerpoint/2010/main" val="3193110410"/>
+        <p14:creationId xmlns:p14="http://schemas.microsoft.com/office/powerpoint/2010/main" val="1259178731"/>
       </p:ext>
     </p:extLst>
   </p:cSld>
@@ -1350,17 +1351,17 @@
           <a:lstStyle/>
           <a:p>
             <a:fld id="{017105BD-6D6F-49DB-9DE4-D4A6452D7E5F}" type="slidenum">
-              <a:rPr lang="en-US" altLang="zh-CN" smtClean="0"/>
+              <a:rPr lang="en-US" altLang="zh-CN" noProof="0" smtClean="0"/>
               <a:t>9</a:t>
             </a:fld>
-            <a:endParaRPr lang="en-US" altLang="zh-CN"/>
+            <a:endParaRPr lang="en-US" altLang="zh-CN" noProof="0"/>
           </a:p>
         </p:txBody>
       </p:sp>
     </p:spTree>
     <p:extLst>
       <p:ext uri="{BB962C8B-B14F-4D97-AF65-F5344CB8AC3E}">
-        <p14:creationId xmlns:p14="http://schemas.microsoft.com/office/powerpoint/2010/main" val="2424331431"/>
+        <p14:creationId xmlns:p14="http://schemas.microsoft.com/office/powerpoint/2010/main" val="3193110410"/>
       </p:ext>
     </p:extLst>
   </p:cSld>
@@ -1458,8 +1459,116 @@
           <a:lstStyle/>
           <a:p>
             <a:fld id="{017105BD-6D6F-49DB-9DE4-D4A6452D7E5F}" type="slidenum">
+              <a:rPr lang="en-US" altLang="zh-CN" smtClean="0"/>
+              <a:t>10</a:t>
+            </a:fld>
+            <a:endParaRPr lang="en-US" altLang="zh-CN"/>
+          </a:p>
+        </p:txBody>
+      </p:sp>
+    </p:spTree>
+    <p:extLst>
+      <p:ext uri="{BB962C8B-B14F-4D97-AF65-F5344CB8AC3E}">
+        <p14:creationId xmlns:p14="http://schemas.microsoft.com/office/powerpoint/2010/main" val="2424331431"/>
+      </p:ext>
+    </p:extLst>
+  </p:cSld>
+  <p:clrMapOvr>
+    <a:masterClrMapping/>
+  </p:clrMapOvr>
+</p:notes>
+</file>
+
+<file path=ppt/notesSlides/notesSlide8.xml><?xml version="1.0" encoding="utf-8"?>
+<p:notes xmlns:a="http://schemas.openxmlformats.org/drawingml/2006/main" xmlns:r="http://schemas.openxmlformats.org/officeDocument/2006/relationships" xmlns:p="http://schemas.openxmlformats.org/presentationml/2006/main">
+  <p:cSld>
+    <p:spTree>
+      <p:nvGrpSpPr>
+        <p:cNvPr id="1" name=""/>
+        <p:cNvGrpSpPr/>
+        <p:nvPr/>
+      </p:nvGrpSpPr>
+      <p:grpSpPr>
+        <a:xfrm>
+          <a:off x="0" y="0"/>
+          <a:ext cx="0" cy="0"/>
+          <a:chOff x="0" y="0"/>
+          <a:chExt cx="0" cy="0"/>
+        </a:xfrm>
+      </p:grpSpPr>
+      <p:sp>
+        <p:nvSpPr>
+          <p:cNvPr id="2" name="Slide Image Placeholder 1"/>
+          <p:cNvSpPr>
+            <a:spLocks noGrp="1" noRot="1" noChangeAspect="1"/>
+          </p:cNvSpPr>
+          <p:nvPr>
+            <p:ph type="sldImg"/>
+          </p:nvPr>
+        </p:nvSpPr>
+        <p:spPr>
+          <a:xfrm>
+            <a:off x="685800" y="1143000"/>
+            <a:ext cx="5486400" cy="3086100"/>
+          </a:xfrm>
+          <a:prstGeom prst="rect">
+            <a:avLst/>
+          </a:prstGeom>
+        </p:spPr>
+      </p:sp>
+      <p:sp>
+        <p:nvSpPr>
+          <p:cNvPr id="3" name="Notes Placeholder 2"/>
+          <p:cNvSpPr>
+            <a:spLocks noGrp="1"/>
+          </p:cNvSpPr>
+          <p:nvPr>
+            <p:ph type="body" idx="1"/>
+          </p:nvPr>
+        </p:nvSpPr>
+        <p:spPr>
+          <a:xfrm>
+            <a:off x="685800" y="4400550"/>
+            <a:ext cx="5486400" cy="3600450"/>
+          </a:xfrm>
+          <a:prstGeom prst="rect">
+            <a:avLst/>
+          </a:prstGeom>
+        </p:spPr>
+        <p:txBody>
+          <a:bodyPr/>
+          <a:lstStyle/>
+          <a:p>
+            <a:endParaRPr lang="en-US"/>
+          </a:p>
+        </p:txBody>
+      </p:sp>
+      <p:sp>
+        <p:nvSpPr>
+          <p:cNvPr id="4" name="Slide Number Placeholder 3"/>
+          <p:cNvSpPr>
+            <a:spLocks noGrp="1"/>
+          </p:cNvSpPr>
+          <p:nvPr>
+            <p:ph type="sldNum" sz="quarter" idx="5"/>
+          </p:nvPr>
+        </p:nvSpPr>
+        <p:spPr>
+          <a:xfrm>
+            <a:off x="3884613" y="8685213"/>
+            <a:ext cx="2971800" cy="458787"/>
+          </a:xfrm>
+          <a:prstGeom prst="rect">
+            <a:avLst/>
+          </a:prstGeom>
+        </p:spPr>
+        <p:txBody>
+          <a:bodyPr/>
+          <a:lstStyle/>
+          <a:p>
+            <a:fld id="{017105BD-6D6F-49DB-9DE4-D4A6452D7E5F}" type="slidenum">
               <a:rPr lang="en-US" altLang="zh-CN" noProof="0" smtClean="0"/>
-              <a:t>11</a:t>
+              <a:t>12</a:t>
             </a:fld>
             <a:endParaRPr lang="en-US" altLang="zh-CN" noProof="0"/>
           </a:p>
@@ -22837,6 +22946,624 @@
       </p:grpSpPr>
       <p:sp>
         <p:nvSpPr>
+          <p:cNvPr id="8" name="Title 7">
+            <a:extLst>
+              <a:ext uri="{FF2B5EF4-FFF2-40B4-BE49-F238E27FC236}">
+                <a16:creationId xmlns:a16="http://schemas.microsoft.com/office/drawing/2014/main" id="{721E73BA-53B9-C0C1-476A-00736A64AB79}"/>
+              </a:ext>
+            </a:extLst>
+          </p:cNvPr>
+          <p:cNvSpPr>
+            <a:spLocks noGrp="1"/>
+          </p:cNvSpPr>
+          <p:nvPr>
+            <p:ph type="title"/>
+          </p:nvPr>
+        </p:nvSpPr>
+        <p:spPr>
+          <a:xfrm>
+            <a:off x="898459" y="2004554"/>
+            <a:ext cx="4474580" cy="2277580"/>
+          </a:xfrm>
+        </p:spPr>
+        <p:txBody>
+          <a:bodyPr/>
+          <a:lstStyle/>
+          <a:p>
+            <a:r>
+              <a:rPr lang="en-US"/>
+              <a:t>NỀN TẢNG </a:t>
+            </a:r>
+            <a:br>
+              <a:rPr lang="en-US"/>
+            </a:br>
+            <a:r>
+              <a:rPr lang="en-US"/>
+              <a:t>CÔNG NGHỆ</a:t>
+            </a:r>
+          </a:p>
+        </p:txBody>
+      </p:sp>
+      <p:sp>
+        <p:nvSpPr>
+          <p:cNvPr id="9" name="Text Placeholder 8">
+            <a:extLst>
+              <a:ext uri="{FF2B5EF4-FFF2-40B4-BE49-F238E27FC236}">
+                <a16:creationId xmlns:a16="http://schemas.microsoft.com/office/drawing/2014/main" id="{FA96FE97-5E27-FC36-5E3A-511A31E6C789}"/>
+              </a:ext>
+            </a:extLst>
+          </p:cNvPr>
+          <p:cNvSpPr>
+            <a:spLocks noGrp="1"/>
+          </p:cNvSpPr>
+          <p:nvPr>
+            <p:ph type="body" sz="quarter" idx="27"/>
+          </p:nvPr>
+        </p:nvSpPr>
+        <p:spPr>
+          <a:xfrm>
+            <a:off x="5502610" y="984130"/>
+            <a:ext cx="5162709" cy="420683"/>
+          </a:xfrm>
+        </p:spPr>
+        <p:txBody>
+          <a:bodyPr/>
+          <a:lstStyle/>
+          <a:p>
+            <a:pPr marL="457200" indent="-457200">
+              <a:buFont typeface="Wingdings" panose="05000000000000000000" pitchFamily="2" charset="2"/>
+              <a:buChar char="v"/>
+            </a:pPr>
+            <a:r>
+              <a:rPr lang="en-US" sz="2800">
+                <a:latin typeface="Söhne"/>
+              </a:rPr>
+              <a:t>THUẬT TOÁN HỌC MÁY :</a:t>
+            </a:r>
+          </a:p>
+        </p:txBody>
+      </p:sp>
+      <p:sp>
+        <p:nvSpPr>
+          <p:cNvPr id="10" name="Text Placeholder 9">
+            <a:extLst>
+              <a:ext uri="{FF2B5EF4-FFF2-40B4-BE49-F238E27FC236}">
+                <a16:creationId xmlns:a16="http://schemas.microsoft.com/office/drawing/2014/main" id="{4CE5DE1C-24E7-3841-9376-89E91B4A4762}"/>
+              </a:ext>
+            </a:extLst>
+          </p:cNvPr>
+          <p:cNvSpPr>
+            <a:spLocks noGrp="1"/>
+          </p:cNvSpPr>
+          <p:nvPr>
+            <p:ph type="body" sz="quarter" idx="28"/>
+          </p:nvPr>
+        </p:nvSpPr>
+        <p:spPr>
+          <a:xfrm>
+            <a:off x="5840233" y="1316490"/>
+            <a:ext cx="5600704" cy="1506166"/>
+          </a:xfrm>
+        </p:spPr>
+        <p:txBody>
+          <a:bodyPr/>
+          <a:lstStyle/>
+          <a:p>
+            <a:r>
+              <a:rPr lang="vi-VN" sz="2000">
+                <a:latin typeface="Söhne"/>
+              </a:rPr>
+              <a:t>Hồi quy </a:t>
+            </a:r>
+            <a:r>
+              <a:rPr lang="en-US" sz="2000">
+                <a:latin typeface="Söhne"/>
+              </a:rPr>
+              <a:t>(</a:t>
+            </a:r>
+            <a:r>
+              <a:rPr lang="vi-VN" sz="2000">
+                <a:latin typeface="Söhne"/>
+              </a:rPr>
+              <a:t>chuyển các thuộc tính của phim thành chiều vector)</a:t>
+            </a:r>
+          </a:p>
+          <a:p>
+            <a:r>
+              <a:rPr lang="vi-VN" sz="2000">
+                <a:latin typeface="Söhne"/>
+              </a:rPr>
+              <a:t>KNN (xây dựng danh sách gợi ý top-N)</a:t>
+            </a:r>
+          </a:p>
+          <a:p>
+            <a:r>
+              <a:rPr lang="vi-VN" sz="2000">
+                <a:latin typeface="Söhne"/>
+              </a:rPr>
+              <a:t>Mạng nơ-ron</a:t>
+            </a:r>
+            <a:endParaRPr lang="en-US" sz="2000">
+              <a:latin typeface="Söhne"/>
+            </a:endParaRPr>
+          </a:p>
+        </p:txBody>
+      </p:sp>
+      <p:sp>
+        <p:nvSpPr>
+          <p:cNvPr id="11" name="Text Placeholder 10">
+            <a:extLst>
+              <a:ext uri="{FF2B5EF4-FFF2-40B4-BE49-F238E27FC236}">
+                <a16:creationId xmlns:a16="http://schemas.microsoft.com/office/drawing/2014/main" id="{DC774673-50D8-2D6F-C339-6E4B0A126B06}"/>
+              </a:ext>
+            </a:extLst>
+          </p:cNvPr>
+          <p:cNvSpPr>
+            <a:spLocks noGrp="1"/>
+          </p:cNvSpPr>
+          <p:nvPr>
+            <p:ph type="body" sz="quarter" idx="29"/>
+          </p:nvPr>
+        </p:nvSpPr>
+        <p:spPr>
+          <a:xfrm>
+            <a:off x="5580738" y="2960785"/>
+            <a:ext cx="5920853" cy="420683"/>
+          </a:xfrm>
+        </p:spPr>
+        <p:txBody>
+          <a:bodyPr/>
+          <a:lstStyle/>
+          <a:p>
+            <a:pPr marL="457200" indent="-457200">
+              <a:buFont typeface="Wingdings" panose="05000000000000000000" pitchFamily="2" charset="2"/>
+              <a:buChar char="v"/>
+            </a:pPr>
+            <a:r>
+              <a:rPr lang="en-US" sz="2800">
+                <a:latin typeface="Söhne"/>
+              </a:rPr>
+              <a:t>NGÔN NGỮ LẬP TRÌNH : PYTHON</a:t>
+            </a:r>
+          </a:p>
+        </p:txBody>
+      </p:sp>
+      <p:sp>
+        <p:nvSpPr>
+          <p:cNvPr id="13" name="Text Placeholder 12">
+            <a:extLst>
+              <a:ext uri="{FF2B5EF4-FFF2-40B4-BE49-F238E27FC236}">
+                <a16:creationId xmlns:a16="http://schemas.microsoft.com/office/drawing/2014/main" id="{DEB5763E-8BC0-F6C3-3814-6649A828C000}"/>
+              </a:ext>
+            </a:extLst>
+          </p:cNvPr>
+          <p:cNvSpPr>
+            <a:spLocks noGrp="1"/>
+          </p:cNvSpPr>
+          <p:nvPr>
+            <p:ph type="body" sz="quarter" idx="34"/>
+          </p:nvPr>
+        </p:nvSpPr>
+        <p:spPr>
+          <a:xfrm>
+            <a:off x="5822761" y="4551321"/>
+            <a:ext cx="5830000" cy="1177789"/>
+          </a:xfrm>
+        </p:spPr>
+        <p:txBody>
+          <a:bodyPr/>
+          <a:lstStyle/>
+          <a:p>
+            <a:r>
+              <a:rPr lang="vi-VN" sz="2000">
+                <a:latin typeface="Söhne"/>
+              </a:rPr>
+              <a:t>Chuẩn hóa dữ liệu: pandas</a:t>
+            </a:r>
+          </a:p>
+          <a:p>
+            <a:r>
+              <a:rPr lang="vi-VN" sz="2000">
+                <a:latin typeface="Söhne"/>
+              </a:rPr>
+              <a:t>Trực quan hóa dữ liệu: Biểu đồ (scatter plots, histograms), biểu đồ heatmap, matplotlib, seaborn</a:t>
+            </a:r>
+          </a:p>
+          <a:p>
+            <a:r>
+              <a:rPr lang="vi-VN" sz="2000">
+                <a:latin typeface="Söhne"/>
+              </a:rPr>
+              <a:t>Đánh giá hiệu suất mô hình </a:t>
+            </a:r>
+            <a:r>
+              <a:rPr lang="en-US" sz="2000">
+                <a:latin typeface="Söhne"/>
+              </a:rPr>
+              <a:t>: </a:t>
+            </a:r>
+            <a:r>
+              <a:rPr lang="vi-VN" sz="2000">
+                <a:latin typeface="Söhne"/>
+              </a:rPr>
+              <a:t>scikit-lear</a:t>
+            </a:r>
+            <a:r>
+              <a:rPr lang="en-US" sz="2000">
+                <a:latin typeface="Söhne"/>
+              </a:rPr>
+              <a:t>n</a:t>
+            </a:r>
+            <a:endParaRPr lang="en-US" sz="2000" b="0" i="0">
+              <a:solidFill>
+                <a:srgbClr val="ECECEC"/>
+              </a:solidFill>
+              <a:effectLst/>
+              <a:latin typeface="Söhne"/>
+            </a:endParaRPr>
+          </a:p>
+        </p:txBody>
+      </p:sp>
+      <p:sp>
+        <p:nvSpPr>
+          <p:cNvPr id="15" name="Slide Number Placeholder 13">
+            <a:extLst>
+              <a:ext uri="{FF2B5EF4-FFF2-40B4-BE49-F238E27FC236}">
+                <a16:creationId xmlns:a16="http://schemas.microsoft.com/office/drawing/2014/main" id="{55AB7753-4245-72E4-BEDB-33038672BA35}"/>
+              </a:ext>
+            </a:extLst>
+          </p:cNvPr>
+          <p:cNvSpPr txBox="1">
+            <a:spLocks/>
+          </p:cNvSpPr>
+          <p:nvPr/>
+        </p:nvSpPr>
+        <p:spPr>
+          <a:xfrm>
+            <a:off x="11194169" y="6215665"/>
+            <a:ext cx="458592" cy="365125"/>
+          </a:xfrm>
+          <a:prstGeom prst="rect">
+            <a:avLst/>
+          </a:prstGeom>
+        </p:spPr>
+        <p:txBody>
+          <a:bodyPr anchor="ctr"/>
+          <a:lstStyle>
+            <a:defPPr>
+              <a:defRPr lang="zh-CN"/>
+            </a:defPPr>
+            <a:lvl1pPr marL="0" algn="ctr" defTabSz="914400" rtl="0" eaLnBrk="1" latinLnBrk="0" hangingPunct="1">
+              <a:defRPr sz="1200" b="0" i="0" kern="1200">
+                <a:solidFill>
+                  <a:schemeClr val="tx1"/>
+                </a:solidFill>
+                <a:latin typeface="Abadi" panose="020B0604020104020204" pitchFamily="34" charset="0"/>
+                <a:ea typeface="+mn-ea"/>
+                <a:cs typeface="+mn-cs"/>
+              </a:defRPr>
+            </a:lvl1pPr>
+            <a:lvl2pPr marL="457200" algn="l" defTabSz="914400" rtl="0" eaLnBrk="1" latinLnBrk="0" hangingPunct="1">
+              <a:defRPr sz="1800" kern="1200">
+                <a:solidFill>
+                  <a:schemeClr val="tx1"/>
+                </a:solidFill>
+                <a:latin typeface="+mn-lt"/>
+                <a:ea typeface="+mn-ea"/>
+                <a:cs typeface="+mn-cs"/>
+              </a:defRPr>
+            </a:lvl2pPr>
+            <a:lvl3pPr marL="914400" algn="l" defTabSz="914400" rtl="0" eaLnBrk="1" latinLnBrk="0" hangingPunct="1">
+              <a:defRPr sz="1800" kern="1200">
+                <a:solidFill>
+                  <a:schemeClr val="tx1"/>
+                </a:solidFill>
+                <a:latin typeface="+mn-lt"/>
+                <a:ea typeface="+mn-ea"/>
+                <a:cs typeface="+mn-cs"/>
+              </a:defRPr>
+            </a:lvl3pPr>
+            <a:lvl4pPr marL="1371600" algn="l" defTabSz="914400" rtl="0" eaLnBrk="1" latinLnBrk="0" hangingPunct="1">
+              <a:defRPr sz="1800" kern="1200">
+                <a:solidFill>
+                  <a:schemeClr val="tx1"/>
+                </a:solidFill>
+                <a:latin typeface="+mn-lt"/>
+                <a:ea typeface="+mn-ea"/>
+                <a:cs typeface="+mn-cs"/>
+              </a:defRPr>
+            </a:lvl4pPr>
+            <a:lvl5pPr marL="1828800" algn="l" defTabSz="914400" rtl="0" eaLnBrk="1" latinLnBrk="0" hangingPunct="1">
+              <a:defRPr sz="1800" kern="1200">
+                <a:solidFill>
+                  <a:schemeClr val="tx1"/>
+                </a:solidFill>
+                <a:latin typeface="+mn-lt"/>
+                <a:ea typeface="+mn-ea"/>
+                <a:cs typeface="+mn-cs"/>
+              </a:defRPr>
+            </a:lvl5pPr>
+            <a:lvl6pPr marL="2286000" algn="l" defTabSz="914400" rtl="0" eaLnBrk="1" latinLnBrk="0" hangingPunct="1">
+              <a:defRPr sz="1800" kern="1200">
+                <a:solidFill>
+                  <a:schemeClr val="tx1"/>
+                </a:solidFill>
+                <a:latin typeface="+mn-lt"/>
+                <a:ea typeface="+mn-ea"/>
+                <a:cs typeface="+mn-cs"/>
+              </a:defRPr>
+            </a:lvl6pPr>
+            <a:lvl7pPr marL="2743200" algn="l" defTabSz="914400" rtl="0" eaLnBrk="1" latinLnBrk="0" hangingPunct="1">
+              <a:defRPr sz="1800" kern="1200">
+                <a:solidFill>
+                  <a:schemeClr val="tx1"/>
+                </a:solidFill>
+                <a:latin typeface="+mn-lt"/>
+                <a:ea typeface="+mn-ea"/>
+                <a:cs typeface="+mn-cs"/>
+              </a:defRPr>
+            </a:lvl7pPr>
+            <a:lvl8pPr marL="3200400" algn="l" defTabSz="914400" rtl="0" eaLnBrk="1" latinLnBrk="0" hangingPunct="1">
+              <a:defRPr sz="1800" kern="1200">
+                <a:solidFill>
+                  <a:schemeClr val="tx1"/>
+                </a:solidFill>
+                <a:latin typeface="+mn-lt"/>
+                <a:ea typeface="+mn-ea"/>
+                <a:cs typeface="+mn-cs"/>
+              </a:defRPr>
+            </a:lvl8pPr>
+            <a:lvl9pPr marL="3657600" algn="l" defTabSz="914400" rtl="0" eaLnBrk="1" latinLnBrk="0" hangingPunct="1">
+              <a:defRPr sz="1800" kern="1200">
+                <a:solidFill>
+                  <a:schemeClr val="tx1"/>
+                </a:solidFill>
+                <a:latin typeface="+mn-lt"/>
+                <a:ea typeface="+mn-ea"/>
+                <a:cs typeface="+mn-cs"/>
+              </a:defRPr>
+            </a:lvl9pPr>
+          </a:lstStyle>
+          <a:p>
+            <a:pPr marL="0" marR="0" lvl="0" indent="0" algn="ctr" defTabSz="914400" rtl="0" eaLnBrk="1" fontAlgn="auto" latinLnBrk="0" hangingPunct="1">
+              <a:lnSpc>
+                <a:spcPct val="100000"/>
+              </a:lnSpc>
+              <a:spcBef>
+                <a:spcPts val="0"/>
+              </a:spcBef>
+              <a:spcAft>
+                <a:spcPts val="0"/>
+              </a:spcAft>
+              <a:buClrTx/>
+              <a:buSzTx/>
+              <a:buFontTx/>
+              <a:buNone/>
+              <a:tabLst/>
+              <a:defRPr/>
+            </a:pPr>
+            <a:fld id="{47FEACEE-25B4-4A2D-B147-27296E36371D}" type="slidenum">
+              <a:rPr kumimoji="0" lang="en-US" altLang="zh-CN" sz="1800" u="none" strike="noStrike" kern="1200" cap="none" spc="0" normalizeH="0" baseline="0" smtClean="0">
+                <a:ln>
+                  <a:noFill/>
+                </a:ln>
+                <a:solidFill>
+                  <a:schemeClr val="bg1"/>
+                </a:solidFill>
+                <a:effectLst/>
+                <a:uLnTx/>
+                <a:uFillTx/>
+                <a:latin typeface="Söhne"/>
+              </a:rPr>
+              <a:pPr marL="0" marR="0" lvl="0" indent="0" algn="ctr" defTabSz="914400" rtl="0" eaLnBrk="1" fontAlgn="auto" latinLnBrk="0" hangingPunct="1">
+                <a:lnSpc>
+                  <a:spcPct val="100000"/>
+                </a:lnSpc>
+                <a:spcBef>
+                  <a:spcPts val="0"/>
+                </a:spcBef>
+                <a:spcAft>
+                  <a:spcPts val="0"/>
+                </a:spcAft>
+                <a:buClrTx/>
+                <a:buSzTx/>
+                <a:buFontTx/>
+                <a:buNone/>
+                <a:tabLst/>
+                <a:defRPr/>
+              </a:pPr>
+              <a:t>10</a:t>
+            </a:fld>
+            <a:endParaRPr kumimoji="0" lang="en-US" altLang="zh-CN" sz="1800" u="none" strike="noStrike" kern="1200" cap="none" spc="0" normalizeH="0" baseline="0">
+              <a:ln>
+                <a:noFill/>
+              </a:ln>
+              <a:solidFill>
+                <a:schemeClr val="bg1"/>
+              </a:solidFill>
+              <a:effectLst/>
+              <a:uLnTx/>
+              <a:uFillTx/>
+              <a:latin typeface="Söhne"/>
+            </a:endParaRPr>
+          </a:p>
+        </p:txBody>
+      </p:sp>
+      <p:sp>
+        <p:nvSpPr>
+          <p:cNvPr id="25" name="Text Placeholder 24">
+            <a:extLst>
+              <a:ext uri="{FF2B5EF4-FFF2-40B4-BE49-F238E27FC236}">
+                <a16:creationId xmlns:a16="http://schemas.microsoft.com/office/drawing/2014/main" id="{4EA4AFEE-096C-B719-4DE5-1018521D3854}"/>
+              </a:ext>
+            </a:extLst>
+          </p:cNvPr>
+          <p:cNvSpPr>
+            <a:spLocks noGrp="1"/>
+          </p:cNvSpPr>
+          <p:nvPr>
+            <p:ph type="body" sz="quarter" idx="31"/>
+          </p:nvPr>
+        </p:nvSpPr>
+        <p:spPr>
+          <a:xfrm>
+            <a:off x="5502611" y="3965756"/>
+            <a:ext cx="5162709" cy="421399"/>
+          </a:xfrm>
+        </p:spPr>
+        <p:txBody>
+          <a:bodyPr/>
+          <a:lstStyle/>
+          <a:p>
+            <a:pPr marL="457200" indent="-457200">
+              <a:buFont typeface="Wingdings" panose="05000000000000000000" pitchFamily="2" charset="2"/>
+              <a:buChar char="v"/>
+            </a:pPr>
+            <a:r>
+              <a:rPr lang="en-US" sz="2800">
+                <a:latin typeface="Söhne"/>
+              </a:rPr>
+              <a:t>CÁC THƯ VIỆN :</a:t>
+            </a:r>
+          </a:p>
+        </p:txBody>
+      </p:sp>
+      <p:pic>
+        <p:nvPicPr>
+          <p:cNvPr id="3" name="Picture 2">
+            <a:extLst>
+              <a:ext uri="{FF2B5EF4-FFF2-40B4-BE49-F238E27FC236}">
+                <a16:creationId xmlns:a16="http://schemas.microsoft.com/office/drawing/2014/main" id="{2E0D449D-CDC7-5B7E-3B45-E440990556A4}"/>
+              </a:ext>
+            </a:extLst>
+          </p:cNvPr>
+          <p:cNvPicPr>
+            <a:picLocks noChangeAspect="1"/>
+          </p:cNvPicPr>
+          <p:nvPr/>
+        </p:nvPicPr>
+        <p:blipFill>
+          <a:blip r:embed="rId3"/>
+          <a:srcRect/>
+          <a:stretch/>
+        </p:blipFill>
+        <p:spPr>
+          <a:xfrm>
+            <a:off x="4786009" y="2764272"/>
+            <a:ext cx="716251" cy="758145"/>
+          </a:xfrm>
+          <a:prstGeom prst="rect">
+            <a:avLst/>
+          </a:prstGeom>
+        </p:spPr>
+      </p:pic>
+      <p:pic>
+        <p:nvPicPr>
+          <p:cNvPr id="5" name="Graphic 4" descr="Mathematics with solid fill">
+            <a:extLst>
+              <a:ext uri="{FF2B5EF4-FFF2-40B4-BE49-F238E27FC236}">
+                <a16:creationId xmlns:a16="http://schemas.microsoft.com/office/drawing/2014/main" id="{171C63E7-649B-3ED6-3E10-660C870AB00F}"/>
+              </a:ext>
+            </a:extLst>
+          </p:cNvPr>
+          <p:cNvPicPr>
+            <a:picLocks noChangeAspect="1"/>
+          </p:cNvPicPr>
+          <p:nvPr/>
+        </p:nvPicPr>
+        <p:blipFill>
+          <a:blip r:embed="rId4">
+            <a:extLst>
+              <a:ext uri="{96DAC541-7B7A-43D3-8B79-37D633B846F1}">
+                <asvg:svgBlip xmlns:asvg="http://schemas.microsoft.com/office/drawing/2016/SVG/main" r:embed="rId5"/>
+              </a:ext>
+            </a:extLst>
+          </a:blip>
+          <a:stretch>
+            <a:fillRect/>
+          </a:stretch>
+        </p:blipFill>
+        <p:spPr>
+          <a:xfrm>
+            <a:off x="4666688" y="972446"/>
+            <a:ext cx="914400" cy="914400"/>
+          </a:xfrm>
+          <a:prstGeom prst="rect">
+            <a:avLst/>
+          </a:prstGeom>
+        </p:spPr>
+      </p:pic>
+      <p:pic>
+        <p:nvPicPr>
+          <p:cNvPr id="7" name="Graphic 6" descr="Books on shelf with solid fill">
+            <a:extLst>
+              <a:ext uri="{FF2B5EF4-FFF2-40B4-BE49-F238E27FC236}">
+                <a16:creationId xmlns:a16="http://schemas.microsoft.com/office/drawing/2014/main" id="{23C93CF7-CDCA-FEC7-0D80-17AA72EB42AE}"/>
+              </a:ext>
+            </a:extLst>
+          </p:cNvPr>
+          <p:cNvPicPr>
+            <a:picLocks noChangeAspect="1"/>
+          </p:cNvPicPr>
+          <p:nvPr/>
+        </p:nvPicPr>
+        <p:blipFill>
+          <a:blip r:embed="rId6">
+            <a:extLst>
+              <a:ext uri="{96DAC541-7B7A-43D3-8B79-37D633B846F1}">
+                <asvg:svgBlip xmlns:asvg="http://schemas.microsoft.com/office/drawing/2016/SVG/main" r:embed="rId7"/>
+              </a:ext>
+            </a:extLst>
+          </a:blip>
+          <a:stretch>
+            <a:fillRect/>
+          </a:stretch>
+        </p:blipFill>
+        <p:spPr>
+          <a:xfrm>
+            <a:off x="4639690" y="3816936"/>
+            <a:ext cx="994019" cy="994019"/>
+          </a:xfrm>
+          <a:prstGeom prst="rect">
+            <a:avLst/>
+          </a:prstGeom>
+        </p:spPr>
+      </p:pic>
+    </p:spTree>
+    <p:extLst>
+      <p:ext uri="{BB962C8B-B14F-4D97-AF65-F5344CB8AC3E}">
+        <p14:creationId xmlns:p14="http://schemas.microsoft.com/office/powerpoint/2010/main" val="2519727083"/>
+      </p:ext>
+    </p:extLst>
+  </p:cSld>
+  <p:clrMapOvr>
+    <a:masterClrMapping/>
+  </p:clrMapOvr>
+  <p:transition spd="med">
+    <p:pull/>
+  </p:transition>
+</p:sld>
+</file>
+
+<file path=ppt/slides/slide11.xml><?xml version="1.0" encoding="utf-8"?>
+<p:sld xmlns:a="http://schemas.openxmlformats.org/drawingml/2006/main" xmlns:r="http://schemas.openxmlformats.org/officeDocument/2006/relationships" xmlns:p="http://schemas.openxmlformats.org/presentationml/2006/main">
+  <p:cSld>
+    <p:spTree>
+      <p:nvGrpSpPr>
+        <p:cNvPr id="1" name=""/>
+        <p:cNvGrpSpPr/>
+        <p:nvPr/>
+      </p:nvGrpSpPr>
+      <p:grpSpPr>
+        <a:xfrm>
+          <a:off x="0" y="0"/>
+          <a:ext cx="0" cy="0"/>
+          <a:chOff x="0" y="0"/>
+          <a:chExt cx="0" cy="0"/>
+        </a:xfrm>
+      </p:grpSpPr>
+      <p:sp>
+        <p:nvSpPr>
           <p:cNvPr id="2" name="Title 1">
             <a:extLst>
               <a:ext uri="{FF2B5EF4-FFF2-40B4-BE49-F238E27FC236}">
@@ -23003,7 +23730,7 @@
 </p:sld>
 </file>
 
-<file path=ppt/slides/slide11.xml><?xml version="1.0" encoding="utf-8"?>
+<file path=ppt/slides/slide12.xml><?xml version="1.0" encoding="utf-8"?>
 <p:sld xmlns:a="http://schemas.openxmlformats.org/drawingml/2006/main" xmlns:r="http://schemas.openxmlformats.org/officeDocument/2006/relationships" xmlns:p="http://schemas.openxmlformats.org/presentationml/2006/main">
   <p:cSld>
     <p:spTree>
@@ -24241,6 +24968,580 @@
           </a:p>
         </p:txBody>
       </p:sp>
+    </p:spTree>
+    <p:extLst>
+      <p:ext uri="{BB962C8B-B14F-4D97-AF65-F5344CB8AC3E}">
+        <p14:creationId xmlns:p14="http://schemas.microsoft.com/office/powerpoint/2010/main" val="77554804"/>
+      </p:ext>
+    </p:extLst>
+  </p:cSld>
+  <p:clrMapOvr>
+    <a:masterClrMapping/>
+  </p:clrMapOvr>
+  <p:transition spd="slow">
+    <p:wipe/>
+  </p:transition>
+  <p:timing>
+    <p:tnLst>
+      <p:par>
+        <p:cTn id="1" dur="indefinite" restart="never" nodeType="tmRoot">
+          <p:childTnLst>
+            <p:seq concurrent="1" nextAc="seek">
+              <p:cTn id="2" dur="indefinite" nodeType="mainSeq">
+                <p:childTnLst>
+                  <p:par>
+                    <p:cTn id="3" fill="hold">
+                      <p:stCondLst>
+                        <p:cond delay="indefinite"/>
+                      </p:stCondLst>
+                      <p:childTnLst>
+                        <p:par>
+                          <p:cTn id="4" fill="hold">
+                            <p:stCondLst>
+                              <p:cond delay="0"/>
+                            </p:stCondLst>
+                            <p:childTnLst>
+                              <p:par>
+                                <p:cTn id="5" presetID="10" presetClass="exit" presetSubtype="0" fill="hold" grpId="0" nodeType="clickEffect">
+                                  <p:stCondLst>
+                                    <p:cond delay="0"/>
+                                  </p:stCondLst>
+                                  <p:childTnLst>
+                                    <p:animEffect transition="out" filter="fade">
+                                      <p:cBhvr>
+                                        <p:cTn id="6" dur="250"/>
+                                        <p:tgtEl>
+                                          <p:spTgt spid="20">
+                                            <p:txEl>
+                                              <p:pRg st="0" end="0"/>
+                                            </p:txEl>
+                                          </p:spTgt>
+                                        </p:tgtEl>
+                                      </p:cBhvr>
+                                    </p:animEffect>
+                                    <p:set>
+                                      <p:cBhvr>
+                                        <p:cTn id="7" dur="1" fill="hold">
+                                          <p:stCondLst>
+                                            <p:cond delay="249"/>
+                                          </p:stCondLst>
+                                        </p:cTn>
+                                        <p:tgtEl>
+                                          <p:spTgt spid="20">
+                                            <p:txEl>
+                                              <p:pRg st="0" end="0"/>
+                                            </p:txEl>
+                                          </p:spTgt>
+                                        </p:tgtEl>
+                                        <p:attrNameLst>
+                                          <p:attrName>style.visibility</p:attrName>
+                                        </p:attrNameLst>
+                                      </p:cBhvr>
+                                      <p:to>
+                                        <p:strVal val="hidden"/>
+                                      </p:to>
+                                    </p:set>
+                                  </p:childTnLst>
+                                </p:cTn>
+                              </p:par>
+                            </p:childTnLst>
+                          </p:cTn>
+                        </p:par>
+                      </p:childTnLst>
+                    </p:cTn>
+                  </p:par>
+                  <p:par>
+                    <p:cTn id="8" fill="hold">
+                      <p:stCondLst>
+                        <p:cond delay="indefinite"/>
+                      </p:stCondLst>
+                      <p:childTnLst>
+                        <p:par>
+                          <p:cTn id="9" fill="hold">
+                            <p:stCondLst>
+                              <p:cond delay="0"/>
+                            </p:stCondLst>
+                            <p:childTnLst>
+                              <p:par>
+                                <p:cTn id="10" presetID="10" presetClass="exit" presetSubtype="0" fill="hold" grpId="0" nodeType="clickEffect">
+                                  <p:stCondLst>
+                                    <p:cond delay="0"/>
+                                  </p:stCondLst>
+                                  <p:childTnLst>
+                                    <p:animEffect transition="out" filter="fade">
+                                      <p:cBhvr>
+                                        <p:cTn id="11" dur="250"/>
+                                        <p:tgtEl>
+                                          <p:spTgt spid="20">
+                                            <p:txEl>
+                                              <p:pRg st="1" end="1"/>
+                                            </p:txEl>
+                                          </p:spTgt>
+                                        </p:tgtEl>
+                                      </p:cBhvr>
+                                    </p:animEffect>
+                                    <p:set>
+                                      <p:cBhvr>
+                                        <p:cTn id="12" dur="1" fill="hold">
+                                          <p:stCondLst>
+                                            <p:cond delay="249"/>
+                                          </p:stCondLst>
+                                        </p:cTn>
+                                        <p:tgtEl>
+                                          <p:spTgt spid="20">
+                                            <p:txEl>
+                                              <p:pRg st="1" end="1"/>
+                                            </p:txEl>
+                                          </p:spTgt>
+                                        </p:tgtEl>
+                                        <p:attrNameLst>
+                                          <p:attrName>style.visibility</p:attrName>
+                                        </p:attrNameLst>
+                                      </p:cBhvr>
+                                      <p:to>
+                                        <p:strVal val="hidden"/>
+                                      </p:to>
+                                    </p:set>
+                                  </p:childTnLst>
+                                </p:cTn>
+                              </p:par>
+                            </p:childTnLst>
+                          </p:cTn>
+                        </p:par>
+                      </p:childTnLst>
+                    </p:cTn>
+                  </p:par>
+                </p:childTnLst>
+              </p:cTn>
+              <p:prevCondLst>
+                <p:cond evt="onPrev" delay="0">
+                  <p:tgtEl>
+                    <p:sldTgt/>
+                  </p:tgtEl>
+                </p:cond>
+              </p:prevCondLst>
+              <p:nextCondLst>
+                <p:cond evt="onNext" delay="0">
+                  <p:tgtEl>
+                    <p:sldTgt/>
+                  </p:tgtEl>
+                </p:cond>
+              </p:nextCondLst>
+            </p:seq>
+          </p:childTnLst>
+        </p:cTn>
+      </p:par>
+    </p:tnLst>
+    <p:bldLst>
+      <p:bldP spid="20" grpId="0" uiExpand="1" build="p"/>
+    </p:bldLst>
+  </p:timing>
+</p:sld>
+</file>
+
+<file path=ppt/slides/slide5.xml><?xml version="1.0" encoding="utf-8"?>
+<p:sld xmlns:a="http://schemas.openxmlformats.org/drawingml/2006/main" xmlns:r="http://schemas.openxmlformats.org/officeDocument/2006/relationships" xmlns:p="http://schemas.openxmlformats.org/presentationml/2006/main">
+  <p:cSld>
+    <p:spTree>
+      <p:nvGrpSpPr>
+        <p:cNvPr id="1" name=""/>
+        <p:cNvGrpSpPr/>
+        <p:nvPr/>
+      </p:nvGrpSpPr>
+      <p:grpSpPr>
+        <a:xfrm>
+          <a:off x="0" y="0"/>
+          <a:ext cx="0" cy="0"/>
+          <a:chOff x="0" y="0"/>
+          <a:chExt cx="0" cy="0"/>
+        </a:xfrm>
+      </p:grpSpPr>
+      <p:sp>
+        <p:nvSpPr>
+          <p:cNvPr id="5" name="Title 4">
+            <a:extLst>
+              <a:ext uri="{FF2B5EF4-FFF2-40B4-BE49-F238E27FC236}">
+                <a16:creationId xmlns:a16="http://schemas.microsoft.com/office/drawing/2014/main" id="{81D18537-D028-9E9C-FB87-93F24955DFC7}"/>
+              </a:ext>
+            </a:extLst>
+          </p:cNvPr>
+          <p:cNvSpPr>
+            <a:spLocks noGrp="1"/>
+          </p:cNvSpPr>
+          <p:nvPr>
+            <p:ph type="title"/>
+          </p:nvPr>
+        </p:nvSpPr>
+        <p:spPr>
+          <a:xfrm>
+            <a:off x="411941" y="311581"/>
+            <a:ext cx="5117162" cy="1325563"/>
+          </a:xfrm>
+        </p:spPr>
+        <p:txBody>
+          <a:bodyPr/>
+          <a:lstStyle/>
+          <a:p>
+            <a:r>
+              <a:rPr lang="en-US"/>
+              <a:t>GIỚI THIỆU</a:t>
+            </a:r>
+          </a:p>
+        </p:txBody>
+      </p:sp>
+      <p:pic>
+        <p:nvPicPr>
+          <p:cNvPr id="12" name="Picture Placeholder 11">
+            <a:extLst>
+              <a:ext uri="{FF2B5EF4-FFF2-40B4-BE49-F238E27FC236}">
+                <a16:creationId xmlns:a16="http://schemas.microsoft.com/office/drawing/2014/main" id="{8C4B5C6A-45B4-1976-622A-4CEB4E3211BC}"/>
+              </a:ext>
+            </a:extLst>
+          </p:cNvPr>
+          <p:cNvPicPr>
+            <a:picLocks noGrp="1" noChangeAspect="1"/>
+          </p:cNvPicPr>
+          <p:nvPr>
+            <p:ph type="pic" sz="quarter" idx="51"/>
+          </p:nvPr>
+        </p:nvPicPr>
+        <p:blipFill>
+          <a:blip r:embed="rId3"/>
+          <a:srcRect l="2997" r="2997"/>
+          <a:stretch/>
+        </p:blipFill>
+        <p:spPr>
+          <a:xfrm>
+            <a:off x="5745001" y="0"/>
+            <a:ext cx="6446999" cy="6858000"/>
+          </a:xfrm>
+        </p:spPr>
+      </p:pic>
+      <p:sp>
+        <p:nvSpPr>
+          <p:cNvPr id="6" name="Freeform: Shape 5">
+            <a:extLst>
+              <a:ext uri="{FF2B5EF4-FFF2-40B4-BE49-F238E27FC236}">
+                <a16:creationId xmlns:a16="http://schemas.microsoft.com/office/drawing/2014/main" id="{D91FB993-29E1-3DBD-8335-7970016F8DE7}"/>
+              </a:ext>
+              <a:ext uri="{C183D7F6-B498-43B3-948B-1728B52AA6E4}">
+                <adec:decorative xmlns:adec="http://schemas.microsoft.com/office/drawing/2017/decorative" val="1"/>
+              </a:ext>
+            </a:extLst>
+          </p:cNvPr>
+          <p:cNvSpPr/>
+          <p:nvPr/>
+        </p:nvSpPr>
+        <p:spPr>
+          <a:xfrm>
+            <a:off x="4584821" y="311581"/>
+            <a:ext cx="1896941" cy="2171612"/>
+          </a:xfrm>
+          <a:custGeom>
+            <a:avLst/>
+            <a:gdLst>
+              <a:gd name="connsiteX0" fmla="*/ 2187388 w 4398682"/>
+              <a:gd name="connsiteY0" fmla="*/ 0 h 5032188"/>
+              <a:gd name="connsiteX1" fmla="*/ 4386729 w 4398682"/>
+              <a:gd name="connsiteY1" fmla="*/ 1261035 h 5032188"/>
+              <a:gd name="connsiteX2" fmla="*/ 4398682 w 4398682"/>
+              <a:gd name="connsiteY2" fmla="*/ 3789083 h 5032188"/>
+              <a:gd name="connsiteX3" fmla="*/ 2193365 w 4398682"/>
+              <a:gd name="connsiteY3" fmla="*/ 5032188 h 5032188"/>
+              <a:gd name="connsiteX4" fmla="*/ 0 w 4398682"/>
+              <a:gd name="connsiteY4" fmla="*/ 3783106 h 5032188"/>
+              <a:gd name="connsiteX5" fmla="*/ 0 w 4398682"/>
+              <a:gd name="connsiteY5" fmla="*/ 1267012 h 5032188"/>
+              <a:gd name="connsiteX6" fmla="*/ 2187388 w 4398682"/>
+              <a:gd name="connsiteY6" fmla="*/ 0 h 5032188"/>
+            </a:gdLst>
+            <a:ahLst/>
+            <a:cxnLst>
+              <a:cxn ang="0">
+                <a:pos x="connsiteX0" y="connsiteY0"/>
+              </a:cxn>
+              <a:cxn ang="0">
+                <a:pos x="connsiteX1" y="connsiteY1"/>
+              </a:cxn>
+              <a:cxn ang="0">
+                <a:pos x="connsiteX2" y="connsiteY2"/>
+              </a:cxn>
+              <a:cxn ang="0">
+                <a:pos x="connsiteX3" y="connsiteY3"/>
+              </a:cxn>
+              <a:cxn ang="0">
+                <a:pos x="connsiteX4" y="connsiteY4"/>
+              </a:cxn>
+              <a:cxn ang="0">
+                <a:pos x="connsiteX5" y="connsiteY5"/>
+              </a:cxn>
+              <a:cxn ang="0">
+                <a:pos x="connsiteX6" y="connsiteY6"/>
+              </a:cxn>
+            </a:cxnLst>
+            <a:rect l="l" t="t" r="r" b="b"/>
+            <a:pathLst>
+              <a:path w="4398682" h="5032188">
+                <a:moveTo>
+                  <a:pt x="2187388" y="0"/>
+                </a:moveTo>
+                <a:lnTo>
+                  <a:pt x="4386729" y="1261035"/>
+                </a:lnTo>
+                <a:cubicBezTo>
+                  <a:pt x="4390713" y="2103718"/>
+                  <a:pt x="4394698" y="2946400"/>
+                  <a:pt x="4398682" y="3789083"/>
+                </a:cubicBezTo>
+                <a:lnTo>
+                  <a:pt x="2193365" y="5032188"/>
+                </a:lnTo>
+                <a:lnTo>
+                  <a:pt x="0" y="3783106"/>
+                </a:lnTo>
+                <a:lnTo>
+                  <a:pt x="0" y="1267012"/>
+                </a:lnTo>
+                <a:lnTo>
+                  <a:pt x="2187388" y="0"/>
+                </a:lnTo>
+                <a:close/>
+              </a:path>
+            </a:pathLst>
+          </a:custGeom>
+          <a:noFill/>
+          <a:ln w="19050" cap="flat" cmpd="sng" algn="ctr">
+            <a:solidFill>
+              <a:srgbClr val="C95B3A"/>
+            </a:solidFill>
+            <a:prstDash val="solid"/>
+            <a:miter lim="800000"/>
+          </a:ln>
+          <a:effectLst/>
+        </p:spPr>
+        <p:txBody>
+          <a:bodyPr rtlCol="0" anchor="ctr"/>
+          <a:lstStyle/>
+          <a:p>
+            <a:pPr marL="0" marR="0" lvl="0" indent="0" algn="ctr" defTabSz="914400" eaLnBrk="1" fontAlgn="auto" latinLnBrk="0" hangingPunct="1">
+              <a:lnSpc>
+                <a:spcPct val="100000"/>
+              </a:lnSpc>
+              <a:spcBef>
+                <a:spcPts val="0"/>
+              </a:spcBef>
+              <a:spcAft>
+                <a:spcPts val="0"/>
+              </a:spcAft>
+              <a:buClrTx/>
+              <a:buSzTx/>
+              <a:buFontTx/>
+              <a:buNone/>
+              <a:tabLst/>
+              <a:defRPr/>
+            </a:pPr>
+            <a:endParaRPr kumimoji="0" lang="en-US" sz="1800" b="0" i="0" u="none" strike="noStrike" kern="0" cap="none" spc="0" normalizeH="0" baseline="0">
+              <a:ln>
+                <a:noFill/>
+              </a:ln>
+              <a:solidFill>
+                <a:srgbClr val="F7D952"/>
+              </a:solidFill>
+              <a:effectLst/>
+              <a:uLnTx/>
+              <a:uFillTx/>
+              <a:latin typeface="Posterama Text SemiBold"/>
+              <a:ea typeface="+mn-ea"/>
+              <a:cs typeface="+mn-cs"/>
+            </a:endParaRPr>
+          </a:p>
+        </p:txBody>
+      </p:sp>
+      <p:sp>
+        <p:nvSpPr>
+          <p:cNvPr id="9" name="Slide Number Placeholder 13">
+            <a:extLst>
+              <a:ext uri="{FF2B5EF4-FFF2-40B4-BE49-F238E27FC236}">
+                <a16:creationId xmlns:a16="http://schemas.microsoft.com/office/drawing/2014/main" id="{D246665A-6901-3F62-340A-A95E775ACA48}"/>
+              </a:ext>
+            </a:extLst>
+          </p:cNvPr>
+          <p:cNvSpPr txBox="1">
+            <a:spLocks/>
+          </p:cNvSpPr>
+          <p:nvPr/>
+        </p:nvSpPr>
+        <p:spPr>
+          <a:xfrm>
+            <a:off x="11194169" y="6215665"/>
+            <a:ext cx="458592" cy="365125"/>
+          </a:xfrm>
+          <a:prstGeom prst="rect">
+            <a:avLst/>
+          </a:prstGeom>
+        </p:spPr>
+        <p:txBody>
+          <a:bodyPr anchor="ctr"/>
+          <a:lstStyle>
+            <a:defPPr>
+              <a:defRPr lang="zh-CN"/>
+            </a:defPPr>
+            <a:lvl1pPr marL="0" algn="ctr" defTabSz="914400" rtl="0" eaLnBrk="1" latinLnBrk="0" hangingPunct="1">
+              <a:defRPr sz="1200" b="0" i="0" kern="1200">
+                <a:solidFill>
+                  <a:schemeClr val="tx1"/>
+                </a:solidFill>
+                <a:latin typeface="Abadi" panose="020B0604020104020204" pitchFamily="34" charset="0"/>
+                <a:ea typeface="+mn-ea"/>
+                <a:cs typeface="+mn-cs"/>
+              </a:defRPr>
+            </a:lvl1pPr>
+            <a:lvl2pPr marL="457200" algn="l" defTabSz="914400" rtl="0" eaLnBrk="1" latinLnBrk="0" hangingPunct="1">
+              <a:defRPr sz="1800" kern="1200">
+                <a:solidFill>
+                  <a:schemeClr val="tx1"/>
+                </a:solidFill>
+                <a:latin typeface="+mn-lt"/>
+                <a:ea typeface="+mn-ea"/>
+                <a:cs typeface="+mn-cs"/>
+              </a:defRPr>
+            </a:lvl2pPr>
+            <a:lvl3pPr marL="914400" algn="l" defTabSz="914400" rtl="0" eaLnBrk="1" latinLnBrk="0" hangingPunct="1">
+              <a:defRPr sz="1800" kern="1200">
+                <a:solidFill>
+                  <a:schemeClr val="tx1"/>
+                </a:solidFill>
+                <a:latin typeface="+mn-lt"/>
+                <a:ea typeface="+mn-ea"/>
+                <a:cs typeface="+mn-cs"/>
+              </a:defRPr>
+            </a:lvl3pPr>
+            <a:lvl4pPr marL="1371600" algn="l" defTabSz="914400" rtl="0" eaLnBrk="1" latinLnBrk="0" hangingPunct="1">
+              <a:defRPr sz="1800" kern="1200">
+                <a:solidFill>
+                  <a:schemeClr val="tx1"/>
+                </a:solidFill>
+                <a:latin typeface="+mn-lt"/>
+                <a:ea typeface="+mn-ea"/>
+                <a:cs typeface="+mn-cs"/>
+              </a:defRPr>
+            </a:lvl4pPr>
+            <a:lvl5pPr marL="1828800" algn="l" defTabSz="914400" rtl="0" eaLnBrk="1" latinLnBrk="0" hangingPunct="1">
+              <a:defRPr sz="1800" kern="1200">
+                <a:solidFill>
+                  <a:schemeClr val="tx1"/>
+                </a:solidFill>
+                <a:latin typeface="+mn-lt"/>
+                <a:ea typeface="+mn-ea"/>
+                <a:cs typeface="+mn-cs"/>
+              </a:defRPr>
+            </a:lvl5pPr>
+            <a:lvl6pPr marL="2286000" algn="l" defTabSz="914400" rtl="0" eaLnBrk="1" latinLnBrk="0" hangingPunct="1">
+              <a:defRPr sz="1800" kern="1200">
+                <a:solidFill>
+                  <a:schemeClr val="tx1"/>
+                </a:solidFill>
+                <a:latin typeface="+mn-lt"/>
+                <a:ea typeface="+mn-ea"/>
+                <a:cs typeface="+mn-cs"/>
+              </a:defRPr>
+            </a:lvl6pPr>
+            <a:lvl7pPr marL="2743200" algn="l" defTabSz="914400" rtl="0" eaLnBrk="1" latinLnBrk="0" hangingPunct="1">
+              <a:defRPr sz="1800" kern="1200">
+                <a:solidFill>
+                  <a:schemeClr val="tx1"/>
+                </a:solidFill>
+                <a:latin typeface="+mn-lt"/>
+                <a:ea typeface="+mn-ea"/>
+                <a:cs typeface="+mn-cs"/>
+              </a:defRPr>
+            </a:lvl7pPr>
+            <a:lvl8pPr marL="3200400" algn="l" defTabSz="914400" rtl="0" eaLnBrk="1" latinLnBrk="0" hangingPunct="1">
+              <a:defRPr sz="1800" kern="1200">
+                <a:solidFill>
+                  <a:schemeClr val="tx1"/>
+                </a:solidFill>
+                <a:latin typeface="+mn-lt"/>
+                <a:ea typeface="+mn-ea"/>
+                <a:cs typeface="+mn-cs"/>
+              </a:defRPr>
+            </a:lvl8pPr>
+            <a:lvl9pPr marL="3657600" algn="l" defTabSz="914400" rtl="0" eaLnBrk="1" latinLnBrk="0" hangingPunct="1">
+              <a:defRPr sz="1800" kern="1200">
+                <a:solidFill>
+                  <a:schemeClr val="tx1"/>
+                </a:solidFill>
+                <a:latin typeface="+mn-lt"/>
+                <a:ea typeface="+mn-ea"/>
+                <a:cs typeface="+mn-cs"/>
+              </a:defRPr>
+            </a:lvl9pPr>
+          </a:lstStyle>
+          <a:p>
+            <a:pPr marL="0" marR="0" lvl="0" indent="0" algn="ctr" defTabSz="914400" rtl="0" eaLnBrk="1" fontAlgn="auto" latinLnBrk="0" hangingPunct="1">
+              <a:lnSpc>
+                <a:spcPct val="100000"/>
+              </a:lnSpc>
+              <a:spcBef>
+                <a:spcPts val="0"/>
+              </a:spcBef>
+              <a:spcAft>
+                <a:spcPts val="0"/>
+              </a:spcAft>
+              <a:buClrTx/>
+              <a:buSzTx/>
+              <a:buFontTx/>
+              <a:buNone/>
+              <a:tabLst/>
+              <a:defRPr/>
+            </a:pPr>
+            <a:fld id="{47FEACEE-25B4-4A2D-B147-27296E36371D}" type="slidenum">
+              <a:rPr kumimoji="0" lang="en-US" altLang="zh-CN" sz="2000" u="none" strike="noStrike" kern="1200" cap="none" spc="0" normalizeH="0" baseline="0" smtClean="0">
+                <a:ln>
+                  <a:noFill/>
+                </a:ln>
+                <a:solidFill>
+                  <a:schemeClr val="bg1"/>
+                </a:solidFill>
+                <a:effectLst/>
+                <a:uLnTx/>
+                <a:uFillTx/>
+                <a:latin typeface="Söhne"/>
+              </a:rPr>
+              <a:pPr marL="0" marR="0" lvl="0" indent="0" algn="ctr" defTabSz="914400" rtl="0" eaLnBrk="1" fontAlgn="auto" latinLnBrk="0" hangingPunct="1">
+                <a:lnSpc>
+                  <a:spcPct val="100000"/>
+                </a:lnSpc>
+                <a:spcBef>
+                  <a:spcPts val="0"/>
+                </a:spcBef>
+                <a:spcAft>
+                  <a:spcPts val="0"/>
+                </a:spcAft>
+                <a:buClrTx/>
+                <a:buSzTx/>
+                <a:buFontTx/>
+                <a:buNone/>
+                <a:tabLst/>
+                <a:defRPr/>
+              </a:pPr>
+              <a:t>5</a:t>
+            </a:fld>
+            <a:endParaRPr kumimoji="0" lang="en-US" altLang="zh-CN" sz="2000" u="none" strike="noStrike" kern="1200" cap="none" spc="0" normalizeH="0" baseline="0">
+              <a:ln>
+                <a:noFill/>
+              </a:ln>
+              <a:solidFill>
+                <a:schemeClr val="bg1"/>
+              </a:solidFill>
+              <a:effectLst/>
+              <a:uLnTx/>
+              <a:uFillTx/>
+              <a:latin typeface="Söhne"/>
+            </a:endParaRPr>
+          </a:p>
+        </p:txBody>
+      </p:sp>
       <p:sp>
         <p:nvSpPr>
           <p:cNvPr id="2" name="Text Placeholder 19">
@@ -24257,7 +25558,7 @@
         </p:nvSpPr>
         <p:spPr>
           <a:xfrm>
-            <a:off x="393007" y="1829235"/>
+            <a:off x="411941" y="1889080"/>
             <a:ext cx="4471785" cy="1294530"/>
           </a:xfrm>
           <a:prstGeom prst="rect">
@@ -24619,7 +25920,7 @@
     </p:spTree>
     <p:extLst>
       <p:ext uri="{BB962C8B-B14F-4D97-AF65-F5344CB8AC3E}">
-        <p14:creationId xmlns:p14="http://schemas.microsoft.com/office/powerpoint/2010/main" val="77554804"/>
+        <p14:creationId xmlns:p14="http://schemas.microsoft.com/office/powerpoint/2010/main" val="2415955649"/>
       </p:ext>
     </p:extLst>
   </p:cSld>
@@ -24641,6 +25942,9 @@
                     <p:cTn id="3" fill="hold">
                       <p:stCondLst>
                         <p:cond delay="indefinite"/>
+                        <p:cond evt="onBegin" delay="0">
+                          <p:tn val="2"/>
+                        </p:cond>
                       </p:stCondLst>
                       <p:childTnLst>
                         <p:par>
@@ -24650,118 +25954,14 @@
                             </p:stCondLst>
                             <p:childTnLst>
                               <p:par>
-                                <p:cTn id="5" presetID="10" presetClass="exit" presetSubtype="0" fill="hold" grpId="0" nodeType="clickEffect">
-                                  <p:stCondLst>
-                                    <p:cond delay="0"/>
-                                  </p:stCondLst>
-                                  <p:childTnLst>
-                                    <p:animEffect transition="out" filter="fade">
-                                      <p:cBhvr>
-                                        <p:cTn id="6" dur="250"/>
-                                        <p:tgtEl>
-                                          <p:spTgt spid="20">
-                                            <p:txEl>
-                                              <p:pRg st="0" end="0"/>
-                                            </p:txEl>
-                                          </p:spTgt>
-                                        </p:tgtEl>
-                                      </p:cBhvr>
-                                    </p:animEffect>
-                                    <p:set>
-                                      <p:cBhvr>
-                                        <p:cTn id="7" dur="1" fill="hold">
-                                          <p:stCondLst>
-                                            <p:cond delay="249"/>
-                                          </p:stCondLst>
-                                        </p:cTn>
-                                        <p:tgtEl>
-                                          <p:spTgt spid="20">
-                                            <p:txEl>
-                                              <p:pRg st="0" end="0"/>
-                                            </p:txEl>
-                                          </p:spTgt>
-                                        </p:tgtEl>
-                                        <p:attrNameLst>
-                                          <p:attrName>style.visibility</p:attrName>
-                                        </p:attrNameLst>
-                                      </p:cBhvr>
-                                      <p:to>
-                                        <p:strVal val="hidden"/>
-                                      </p:to>
-                                    </p:set>
-                                  </p:childTnLst>
-                                </p:cTn>
-                              </p:par>
-                            </p:childTnLst>
-                          </p:cTn>
-                        </p:par>
-                      </p:childTnLst>
-                    </p:cTn>
-                  </p:par>
-                  <p:par>
-                    <p:cTn id="8" fill="hold">
-                      <p:stCondLst>
-                        <p:cond delay="indefinite"/>
-                      </p:stCondLst>
-                      <p:childTnLst>
-                        <p:par>
-                          <p:cTn id="9" fill="hold">
-                            <p:stCondLst>
-                              <p:cond delay="0"/>
-                            </p:stCondLst>
-                            <p:childTnLst>
-                              <p:par>
-                                <p:cTn id="10" presetID="10" presetClass="exit" presetSubtype="0" fill="hold" grpId="0" nodeType="clickEffect">
-                                  <p:stCondLst>
-                                    <p:cond delay="0"/>
-                                  </p:stCondLst>
-                                  <p:childTnLst>
-                                    <p:animEffect transition="out" filter="fade">
-                                      <p:cBhvr>
-                                        <p:cTn id="11" dur="250"/>
-                                        <p:tgtEl>
-                                          <p:spTgt spid="20">
-                                            <p:txEl>
-                                              <p:pRg st="1" end="1"/>
-                                            </p:txEl>
-                                          </p:spTgt>
-                                        </p:tgtEl>
-                                      </p:cBhvr>
-                                    </p:animEffect>
-                                    <p:set>
-                                      <p:cBhvr>
-                                        <p:cTn id="12" dur="1" fill="hold">
-                                          <p:stCondLst>
-                                            <p:cond delay="249"/>
-                                          </p:stCondLst>
-                                        </p:cTn>
-                                        <p:tgtEl>
-                                          <p:spTgt spid="20">
-                                            <p:txEl>
-                                              <p:pRg st="1" end="1"/>
-                                            </p:txEl>
-                                          </p:spTgt>
-                                        </p:tgtEl>
-                                        <p:attrNameLst>
-                                          <p:attrName>style.visibility</p:attrName>
-                                        </p:attrNameLst>
-                                      </p:cBhvr>
-                                      <p:to>
-                                        <p:strVal val="hidden"/>
-                                      </p:to>
-                                    </p:set>
-                                  </p:childTnLst>
-                                </p:cTn>
-                              </p:par>
-                              <p:par>
-                                <p:cTn id="13" presetID="10" presetClass="entr" presetSubtype="0" fill="hold" grpId="0" nodeType="withEffect">
+                                <p:cTn id="5" presetID="10" presetClass="entr" presetSubtype="0" fill="hold" grpId="0" nodeType="withEffect">
                                   <p:stCondLst>
                                     <p:cond delay="750"/>
                                   </p:stCondLst>
                                   <p:childTnLst>
                                     <p:set>
                                       <p:cBhvr>
-                                        <p:cTn id="14" dur="1" fill="hold">
+                                        <p:cTn id="6" dur="1" fill="hold">
                                           <p:stCondLst>
                                             <p:cond delay="0"/>
                                           </p:stCondLst>
@@ -24779,7 +25979,7 @@
                                     </p:set>
                                     <p:animEffect transition="in" filter="fade">
                                       <p:cBhvr>
-                                        <p:cTn id="15" dur="500"/>
+                                        <p:cTn id="7" dur="500"/>
                                         <p:tgtEl>
                                           <p:spTgt spid="2"/>
                                         </p:tgtEl>
@@ -24816,14 +26016,13 @@
       </p:par>
     </p:tnLst>
     <p:bldLst>
-      <p:bldP spid="20" grpId="0" uiExpand="1" build="p"/>
       <p:bldP spid="2" grpId="0"/>
     </p:bldLst>
   </p:timing>
 </p:sld>
 </file>
 
-<file path=ppt/slides/slide5.xml><?xml version="1.0" encoding="utf-8"?>
+<file path=ppt/slides/slide6.xml><?xml version="1.0" encoding="utf-8"?>
 <p:sld xmlns:a="http://schemas.openxmlformats.org/drawingml/2006/main" xmlns:r="http://schemas.openxmlformats.org/officeDocument/2006/relationships" xmlns:p="http://schemas.openxmlformats.org/presentationml/2006/main">
   <p:cSld>
     <p:spTree>
@@ -25214,7 +26413,7 @@
                 <a:tabLst/>
                 <a:defRPr/>
               </a:pPr>
-              <a:t>5</a:t>
+              <a:t>6</a:t>
             </a:fld>
             <a:endParaRPr kumimoji="0" lang="en-US" altLang="zh-CN" sz="1800" u="none" strike="noStrike" kern="1200" cap="none" spc="0" normalizeH="0" baseline="0">
               <a:ln>
@@ -25256,7 +26455,7 @@
 </p:sld>
 </file>
 
-<file path=ppt/slides/slide6.xml><?xml version="1.0" encoding="utf-8"?>
+<file path=ppt/slides/slide7.xml><?xml version="1.0" encoding="utf-8"?>
 <p:sld xmlns:a="http://schemas.openxmlformats.org/drawingml/2006/main" xmlns:r="http://schemas.openxmlformats.org/officeDocument/2006/relationships" xmlns:p="http://schemas.openxmlformats.org/presentationml/2006/main">
   <p:cSld>
     <p:spTree>
@@ -25543,7 +26742,7 @@
                 <a:tabLst/>
                 <a:defRPr/>
               </a:pPr>
-              <a:t>6</a:t>
+              <a:t>7</a:t>
             </a:fld>
             <a:endParaRPr kumimoji="0" lang="en-US" altLang="zh-CN" sz="1800" u="none" strike="noStrike" kern="1200" cap="none" spc="0" normalizeH="0" baseline="0">
               <a:ln>
@@ -26324,7 +27523,7 @@
 </p:sld>
 </file>
 
-<file path=ppt/slides/slide7.xml><?xml version="1.0" encoding="utf-8"?>
+<file path=ppt/slides/slide8.xml><?xml version="1.0" encoding="utf-8"?>
 <p:sld xmlns:a="http://schemas.openxmlformats.org/drawingml/2006/main" xmlns:r="http://schemas.openxmlformats.org/officeDocument/2006/relationships" xmlns:p="http://schemas.openxmlformats.org/presentationml/2006/main">
   <p:cSld>
     <p:spTree>
@@ -26649,7 +27848,7 @@
 </p:sld>
 </file>
 
-<file path=ppt/slides/slide8.xml><?xml version="1.0" encoding="utf-8"?>
+<file path=ppt/slides/slide9.xml><?xml version="1.0" encoding="utf-8"?>
 <p:sld xmlns:a="http://schemas.openxmlformats.org/drawingml/2006/main" xmlns:r="http://schemas.openxmlformats.org/officeDocument/2006/relationships" xmlns:p="http://schemas.openxmlformats.org/presentationml/2006/main">
   <p:cSld>
     <p:spTree>
@@ -26862,7 +28061,7 @@
                 <a:tabLst/>
                 <a:defRPr/>
               </a:pPr>
-              <a:t>8</a:t>
+              <a:t>9</a:t>
             </a:fld>
             <a:endParaRPr kumimoji="0" lang="en-US" altLang="zh-CN" sz="1800" u="none" strike="noStrike" kern="1200" cap="none" spc="0" normalizeH="0" baseline="0">
               <a:ln>
@@ -27867,624 +29066,6 @@
       <p:bldP spid="17" grpId="0"/>
     </p:bldLst>
   </p:timing>
-</p:sld>
-</file>
-
-<file path=ppt/slides/slide9.xml><?xml version="1.0" encoding="utf-8"?>
-<p:sld xmlns:a="http://schemas.openxmlformats.org/drawingml/2006/main" xmlns:r="http://schemas.openxmlformats.org/officeDocument/2006/relationships" xmlns:p="http://schemas.openxmlformats.org/presentationml/2006/main">
-  <p:cSld>
-    <p:spTree>
-      <p:nvGrpSpPr>
-        <p:cNvPr id="1" name=""/>
-        <p:cNvGrpSpPr/>
-        <p:nvPr/>
-      </p:nvGrpSpPr>
-      <p:grpSpPr>
-        <a:xfrm>
-          <a:off x="0" y="0"/>
-          <a:ext cx="0" cy="0"/>
-          <a:chOff x="0" y="0"/>
-          <a:chExt cx="0" cy="0"/>
-        </a:xfrm>
-      </p:grpSpPr>
-      <p:sp>
-        <p:nvSpPr>
-          <p:cNvPr id="8" name="Title 7">
-            <a:extLst>
-              <a:ext uri="{FF2B5EF4-FFF2-40B4-BE49-F238E27FC236}">
-                <a16:creationId xmlns:a16="http://schemas.microsoft.com/office/drawing/2014/main" id="{721E73BA-53B9-C0C1-476A-00736A64AB79}"/>
-              </a:ext>
-            </a:extLst>
-          </p:cNvPr>
-          <p:cNvSpPr>
-            <a:spLocks noGrp="1"/>
-          </p:cNvSpPr>
-          <p:nvPr>
-            <p:ph type="title"/>
-          </p:nvPr>
-        </p:nvSpPr>
-        <p:spPr>
-          <a:xfrm>
-            <a:off x="898459" y="2004554"/>
-            <a:ext cx="4474580" cy="2277580"/>
-          </a:xfrm>
-        </p:spPr>
-        <p:txBody>
-          <a:bodyPr/>
-          <a:lstStyle/>
-          <a:p>
-            <a:r>
-              <a:rPr lang="en-US"/>
-              <a:t>NỀN TẢNG </a:t>
-            </a:r>
-            <a:br>
-              <a:rPr lang="en-US"/>
-            </a:br>
-            <a:r>
-              <a:rPr lang="en-US"/>
-              <a:t>CÔNG NGHỆ</a:t>
-            </a:r>
-          </a:p>
-        </p:txBody>
-      </p:sp>
-      <p:sp>
-        <p:nvSpPr>
-          <p:cNvPr id="9" name="Text Placeholder 8">
-            <a:extLst>
-              <a:ext uri="{FF2B5EF4-FFF2-40B4-BE49-F238E27FC236}">
-                <a16:creationId xmlns:a16="http://schemas.microsoft.com/office/drawing/2014/main" id="{FA96FE97-5E27-FC36-5E3A-511A31E6C789}"/>
-              </a:ext>
-            </a:extLst>
-          </p:cNvPr>
-          <p:cNvSpPr>
-            <a:spLocks noGrp="1"/>
-          </p:cNvSpPr>
-          <p:nvPr>
-            <p:ph type="body" sz="quarter" idx="27"/>
-          </p:nvPr>
-        </p:nvSpPr>
-        <p:spPr>
-          <a:xfrm>
-            <a:off x="5502610" y="984130"/>
-            <a:ext cx="5162709" cy="420683"/>
-          </a:xfrm>
-        </p:spPr>
-        <p:txBody>
-          <a:bodyPr/>
-          <a:lstStyle/>
-          <a:p>
-            <a:pPr marL="457200" indent="-457200">
-              <a:buFont typeface="Wingdings" panose="05000000000000000000" pitchFamily="2" charset="2"/>
-              <a:buChar char="v"/>
-            </a:pPr>
-            <a:r>
-              <a:rPr lang="en-US" sz="2800">
-                <a:latin typeface="Söhne"/>
-              </a:rPr>
-              <a:t>THUẬT TOÁN HỌC MÁY :</a:t>
-            </a:r>
-          </a:p>
-        </p:txBody>
-      </p:sp>
-      <p:sp>
-        <p:nvSpPr>
-          <p:cNvPr id="10" name="Text Placeholder 9">
-            <a:extLst>
-              <a:ext uri="{FF2B5EF4-FFF2-40B4-BE49-F238E27FC236}">
-                <a16:creationId xmlns:a16="http://schemas.microsoft.com/office/drawing/2014/main" id="{4CE5DE1C-24E7-3841-9376-89E91B4A4762}"/>
-              </a:ext>
-            </a:extLst>
-          </p:cNvPr>
-          <p:cNvSpPr>
-            <a:spLocks noGrp="1"/>
-          </p:cNvSpPr>
-          <p:nvPr>
-            <p:ph type="body" sz="quarter" idx="28"/>
-          </p:nvPr>
-        </p:nvSpPr>
-        <p:spPr>
-          <a:xfrm>
-            <a:off x="5840233" y="1316490"/>
-            <a:ext cx="5600704" cy="1506166"/>
-          </a:xfrm>
-        </p:spPr>
-        <p:txBody>
-          <a:bodyPr/>
-          <a:lstStyle/>
-          <a:p>
-            <a:r>
-              <a:rPr lang="vi-VN" sz="2000">
-                <a:latin typeface="Söhne"/>
-              </a:rPr>
-              <a:t>Hồi quy </a:t>
-            </a:r>
-            <a:r>
-              <a:rPr lang="en-US" sz="2000">
-                <a:latin typeface="Söhne"/>
-              </a:rPr>
-              <a:t>(</a:t>
-            </a:r>
-            <a:r>
-              <a:rPr lang="vi-VN" sz="2000">
-                <a:latin typeface="Söhne"/>
-              </a:rPr>
-              <a:t>chuyển các thuộc tính của phim thành chiều vector)</a:t>
-            </a:r>
-          </a:p>
-          <a:p>
-            <a:r>
-              <a:rPr lang="vi-VN" sz="2000">
-                <a:latin typeface="Söhne"/>
-              </a:rPr>
-              <a:t>KNN (xây dựng danh sách gợi ý top-N)</a:t>
-            </a:r>
-          </a:p>
-          <a:p>
-            <a:r>
-              <a:rPr lang="vi-VN" sz="2000">
-                <a:latin typeface="Söhne"/>
-              </a:rPr>
-              <a:t>Mạng nơ-ron</a:t>
-            </a:r>
-            <a:endParaRPr lang="en-US" sz="2000">
-              <a:latin typeface="Söhne"/>
-            </a:endParaRPr>
-          </a:p>
-        </p:txBody>
-      </p:sp>
-      <p:sp>
-        <p:nvSpPr>
-          <p:cNvPr id="11" name="Text Placeholder 10">
-            <a:extLst>
-              <a:ext uri="{FF2B5EF4-FFF2-40B4-BE49-F238E27FC236}">
-                <a16:creationId xmlns:a16="http://schemas.microsoft.com/office/drawing/2014/main" id="{DC774673-50D8-2D6F-C339-6E4B0A126B06}"/>
-              </a:ext>
-            </a:extLst>
-          </p:cNvPr>
-          <p:cNvSpPr>
-            <a:spLocks noGrp="1"/>
-          </p:cNvSpPr>
-          <p:nvPr>
-            <p:ph type="body" sz="quarter" idx="29"/>
-          </p:nvPr>
-        </p:nvSpPr>
-        <p:spPr>
-          <a:xfrm>
-            <a:off x="5580738" y="2960785"/>
-            <a:ext cx="5920853" cy="420683"/>
-          </a:xfrm>
-        </p:spPr>
-        <p:txBody>
-          <a:bodyPr/>
-          <a:lstStyle/>
-          <a:p>
-            <a:pPr marL="457200" indent="-457200">
-              <a:buFont typeface="Wingdings" panose="05000000000000000000" pitchFamily="2" charset="2"/>
-              <a:buChar char="v"/>
-            </a:pPr>
-            <a:r>
-              <a:rPr lang="en-US" sz="2800">
-                <a:latin typeface="Söhne"/>
-              </a:rPr>
-              <a:t>NGÔN NGỮ LẬP TRÌNH : PYTHON</a:t>
-            </a:r>
-          </a:p>
-        </p:txBody>
-      </p:sp>
-      <p:sp>
-        <p:nvSpPr>
-          <p:cNvPr id="13" name="Text Placeholder 12">
-            <a:extLst>
-              <a:ext uri="{FF2B5EF4-FFF2-40B4-BE49-F238E27FC236}">
-                <a16:creationId xmlns:a16="http://schemas.microsoft.com/office/drawing/2014/main" id="{DEB5763E-8BC0-F6C3-3814-6649A828C000}"/>
-              </a:ext>
-            </a:extLst>
-          </p:cNvPr>
-          <p:cNvSpPr>
-            <a:spLocks noGrp="1"/>
-          </p:cNvSpPr>
-          <p:nvPr>
-            <p:ph type="body" sz="quarter" idx="34"/>
-          </p:nvPr>
-        </p:nvSpPr>
-        <p:spPr>
-          <a:xfrm>
-            <a:off x="5822761" y="4551321"/>
-            <a:ext cx="5830000" cy="1177789"/>
-          </a:xfrm>
-        </p:spPr>
-        <p:txBody>
-          <a:bodyPr/>
-          <a:lstStyle/>
-          <a:p>
-            <a:r>
-              <a:rPr lang="vi-VN" sz="2000">
-                <a:latin typeface="Söhne"/>
-              </a:rPr>
-              <a:t>Chuẩn hóa dữ liệu: pandas</a:t>
-            </a:r>
-          </a:p>
-          <a:p>
-            <a:r>
-              <a:rPr lang="vi-VN" sz="2000">
-                <a:latin typeface="Söhne"/>
-              </a:rPr>
-              <a:t>Trực quan hóa dữ liệu: Biểu đồ (scatter plots, histograms), biểu đồ heatmap, matplotlib, seaborn</a:t>
-            </a:r>
-          </a:p>
-          <a:p>
-            <a:r>
-              <a:rPr lang="vi-VN" sz="2000">
-                <a:latin typeface="Söhne"/>
-              </a:rPr>
-              <a:t>Đánh giá hiệu suất mô hình </a:t>
-            </a:r>
-            <a:r>
-              <a:rPr lang="en-US" sz="2000">
-                <a:latin typeface="Söhne"/>
-              </a:rPr>
-              <a:t>: </a:t>
-            </a:r>
-            <a:r>
-              <a:rPr lang="vi-VN" sz="2000">
-                <a:latin typeface="Söhne"/>
-              </a:rPr>
-              <a:t>scikit-lear</a:t>
-            </a:r>
-            <a:r>
-              <a:rPr lang="en-US" sz="2000">
-                <a:latin typeface="Söhne"/>
-              </a:rPr>
-              <a:t>n</a:t>
-            </a:r>
-            <a:endParaRPr lang="en-US" sz="2000" b="0" i="0">
-              <a:solidFill>
-                <a:srgbClr val="ECECEC"/>
-              </a:solidFill>
-              <a:effectLst/>
-              <a:latin typeface="Söhne"/>
-            </a:endParaRPr>
-          </a:p>
-        </p:txBody>
-      </p:sp>
-      <p:sp>
-        <p:nvSpPr>
-          <p:cNvPr id="15" name="Slide Number Placeholder 13">
-            <a:extLst>
-              <a:ext uri="{FF2B5EF4-FFF2-40B4-BE49-F238E27FC236}">
-                <a16:creationId xmlns:a16="http://schemas.microsoft.com/office/drawing/2014/main" id="{55AB7753-4245-72E4-BEDB-33038672BA35}"/>
-              </a:ext>
-            </a:extLst>
-          </p:cNvPr>
-          <p:cNvSpPr txBox="1">
-            <a:spLocks/>
-          </p:cNvSpPr>
-          <p:nvPr/>
-        </p:nvSpPr>
-        <p:spPr>
-          <a:xfrm>
-            <a:off x="11194169" y="6215665"/>
-            <a:ext cx="458592" cy="365125"/>
-          </a:xfrm>
-          <a:prstGeom prst="rect">
-            <a:avLst/>
-          </a:prstGeom>
-        </p:spPr>
-        <p:txBody>
-          <a:bodyPr anchor="ctr"/>
-          <a:lstStyle>
-            <a:defPPr>
-              <a:defRPr lang="zh-CN"/>
-            </a:defPPr>
-            <a:lvl1pPr marL="0" algn="ctr" defTabSz="914400" rtl="0" eaLnBrk="1" latinLnBrk="0" hangingPunct="1">
-              <a:defRPr sz="1200" b="0" i="0" kern="1200">
-                <a:solidFill>
-                  <a:schemeClr val="tx1"/>
-                </a:solidFill>
-                <a:latin typeface="Abadi" panose="020B0604020104020204" pitchFamily="34" charset="0"/>
-                <a:ea typeface="+mn-ea"/>
-                <a:cs typeface="+mn-cs"/>
-              </a:defRPr>
-            </a:lvl1pPr>
-            <a:lvl2pPr marL="457200" algn="l" defTabSz="914400" rtl="0" eaLnBrk="1" latinLnBrk="0" hangingPunct="1">
-              <a:defRPr sz="1800" kern="1200">
-                <a:solidFill>
-                  <a:schemeClr val="tx1"/>
-                </a:solidFill>
-                <a:latin typeface="+mn-lt"/>
-                <a:ea typeface="+mn-ea"/>
-                <a:cs typeface="+mn-cs"/>
-              </a:defRPr>
-            </a:lvl2pPr>
-            <a:lvl3pPr marL="914400" algn="l" defTabSz="914400" rtl="0" eaLnBrk="1" latinLnBrk="0" hangingPunct="1">
-              <a:defRPr sz="1800" kern="1200">
-                <a:solidFill>
-                  <a:schemeClr val="tx1"/>
-                </a:solidFill>
-                <a:latin typeface="+mn-lt"/>
-                <a:ea typeface="+mn-ea"/>
-                <a:cs typeface="+mn-cs"/>
-              </a:defRPr>
-            </a:lvl3pPr>
-            <a:lvl4pPr marL="1371600" algn="l" defTabSz="914400" rtl="0" eaLnBrk="1" latinLnBrk="0" hangingPunct="1">
-              <a:defRPr sz="1800" kern="1200">
-                <a:solidFill>
-                  <a:schemeClr val="tx1"/>
-                </a:solidFill>
-                <a:latin typeface="+mn-lt"/>
-                <a:ea typeface="+mn-ea"/>
-                <a:cs typeface="+mn-cs"/>
-              </a:defRPr>
-            </a:lvl4pPr>
-            <a:lvl5pPr marL="1828800" algn="l" defTabSz="914400" rtl="0" eaLnBrk="1" latinLnBrk="0" hangingPunct="1">
-              <a:defRPr sz="1800" kern="1200">
-                <a:solidFill>
-                  <a:schemeClr val="tx1"/>
-                </a:solidFill>
-                <a:latin typeface="+mn-lt"/>
-                <a:ea typeface="+mn-ea"/>
-                <a:cs typeface="+mn-cs"/>
-              </a:defRPr>
-            </a:lvl5pPr>
-            <a:lvl6pPr marL="2286000" algn="l" defTabSz="914400" rtl="0" eaLnBrk="1" latinLnBrk="0" hangingPunct="1">
-              <a:defRPr sz="1800" kern="1200">
-                <a:solidFill>
-                  <a:schemeClr val="tx1"/>
-                </a:solidFill>
-                <a:latin typeface="+mn-lt"/>
-                <a:ea typeface="+mn-ea"/>
-                <a:cs typeface="+mn-cs"/>
-              </a:defRPr>
-            </a:lvl6pPr>
-            <a:lvl7pPr marL="2743200" algn="l" defTabSz="914400" rtl="0" eaLnBrk="1" latinLnBrk="0" hangingPunct="1">
-              <a:defRPr sz="1800" kern="1200">
-                <a:solidFill>
-                  <a:schemeClr val="tx1"/>
-                </a:solidFill>
-                <a:latin typeface="+mn-lt"/>
-                <a:ea typeface="+mn-ea"/>
-                <a:cs typeface="+mn-cs"/>
-              </a:defRPr>
-            </a:lvl7pPr>
-            <a:lvl8pPr marL="3200400" algn="l" defTabSz="914400" rtl="0" eaLnBrk="1" latinLnBrk="0" hangingPunct="1">
-              <a:defRPr sz="1800" kern="1200">
-                <a:solidFill>
-                  <a:schemeClr val="tx1"/>
-                </a:solidFill>
-                <a:latin typeface="+mn-lt"/>
-                <a:ea typeface="+mn-ea"/>
-                <a:cs typeface="+mn-cs"/>
-              </a:defRPr>
-            </a:lvl8pPr>
-            <a:lvl9pPr marL="3657600" algn="l" defTabSz="914400" rtl="0" eaLnBrk="1" latinLnBrk="0" hangingPunct="1">
-              <a:defRPr sz="1800" kern="1200">
-                <a:solidFill>
-                  <a:schemeClr val="tx1"/>
-                </a:solidFill>
-                <a:latin typeface="+mn-lt"/>
-                <a:ea typeface="+mn-ea"/>
-                <a:cs typeface="+mn-cs"/>
-              </a:defRPr>
-            </a:lvl9pPr>
-          </a:lstStyle>
-          <a:p>
-            <a:pPr marL="0" marR="0" lvl="0" indent="0" algn="ctr" defTabSz="914400" rtl="0" eaLnBrk="1" fontAlgn="auto" latinLnBrk="0" hangingPunct="1">
-              <a:lnSpc>
-                <a:spcPct val="100000"/>
-              </a:lnSpc>
-              <a:spcBef>
-                <a:spcPts val="0"/>
-              </a:spcBef>
-              <a:spcAft>
-                <a:spcPts val="0"/>
-              </a:spcAft>
-              <a:buClrTx/>
-              <a:buSzTx/>
-              <a:buFontTx/>
-              <a:buNone/>
-              <a:tabLst/>
-              <a:defRPr/>
-            </a:pPr>
-            <a:fld id="{47FEACEE-25B4-4A2D-B147-27296E36371D}" type="slidenum">
-              <a:rPr kumimoji="0" lang="en-US" altLang="zh-CN" sz="1800" u="none" strike="noStrike" kern="1200" cap="none" spc="0" normalizeH="0" baseline="0" smtClean="0">
-                <a:ln>
-                  <a:noFill/>
-                </a:ln>
-                <a:solidFill>
-                  <a:schemeClr val="bg1"/>
-                </a:solidFill>
-                <a:effectLst/>
-                <a:uLnTx/>
-                <a:uFillTx/>
-                <a:latin typeface="Söhne"/>
-              </a:rPr>
-              <a:pPr marL="0" marR="0" lvl="0" indent="0" algn="ctr" defTabSz="914400" rtl="0" eaLnBrk="1" fontAlgn="auto" latinLnBrk="0" hangingPunct="1">
-                <a:lnSpc>
-                  <a:spcPct val="100000"/>
-                </a:lnSpc>
-                <a:spcBef>
-                  <a:spcPts val="0"/>
-                </a:spcBef>
-                <a:spcAft>
-                  <a:spcPts val="0"/>
-                </a:spcAft>
-                <a:buClrTx/>
-                <a:buSzTx/>
-                <a:buFontTx/>
-                <a:buNone/>
-                <a:tabLst/>
-                <a:defRPr/>
-              </a:pPr>
-              <a:t>9</a:t>
-            </a:fld>
-            <a:endParaRPr kumimoji="0" lang="en-US" altLang="zh-CN" sz="1800" u="none" strike="noStrike" kern="1200" cap="none" spc="0" normalizeH="0" baseline="0">
-              <a:ln>
-                <a:noFill/>
-              </a:ln>
-              <a:solidFill>
-                <a:schemeClr val="bg1"/>
-              </a:solidFill>
-              <a:effectLst/>
-              <a:uLnTx/>
-              <a:uFillTx/>
-              <a:latin typeface="Söhne"/>
-            </a:endParaRPr>
-          </a:p>
-        </p:txBody>
-      </p:sp>
-      <p:sp>
-        <p:nvSpPr>
-          <p:cNvPr id="25" name="Text Placeholder 24">
-            <a:extLst>
-              <a:ext uri="{FF2B5EF4-FFF2-40B4-BE49-F238E27FC236}">
-                <a16:creationId xmlns:a16="http://schemas.microsoft.com/office/drawing/2014/main" id="{4EA4AFEE-096C-B719-4DE5-1018521D3854}"/>
-              </a:ext>
-            </a:extLst>
-          </p:cNvPr>
-          <p:cNvSpPr>
-            <a:spLocks noGrp="1"/>
-          </p:cNvSpPr>
-          <p:nvPr>
-            <p:ph type="body" sz="quarter" idx="31"/>
-          </p:nvPr>
-        </p:nvSpPr>
-        <p:spPr>
-          <a:xfrm>
-            <a:off x="5502611" y="3965756"/>
-            <a:ext cx="5162709" cy="421399"/>
-          </a:xfrm>
-        </p:spPr>
-        <p:txBody>
-          <a:bodyPr/>
-          <a:lstStyle/>
-          <a:p>
-            <a:pPr marL="457200" indent="-457200">
-              <a:buFont typeface="Wingdings" panose="05000000000000000000" pitchFamily="2" charset="2"/>
-              <a:buChar char="v"/>
-            </a:pPr>
-            <a:r>
-              <a:rPr lang="en-US" sz="2800">
-                <a:latin typeface="Söhne"/>
-              </a:rPr>
-              <a:t>CÁC THƯ VIỆN :</a:t>
-            </a:r>
-          </a:p>
-        </p:txBody>
-      </p:sp>
-      <p:pic>
-        <p:nvPicPr>
-          <p:cNvPr id="3" name="Picture 2">
-            <a:extLst>
-              <a:ext uri="{FF2B5EF4-FFF2-40B4-BE49-F238E27FC236}">
-                <a16:creationId xmlns:a16="http://schemas.microsoft.com/office/drawing/2014/main" id="{2E0D449D-CDC7-5B7E-3B45-E440990556A4}"/>
-              </a:ext>
-            </a:extLst>
-          </p:cNvPr>
-          <p:cNvPicPr>
-            <a:picLocks noChangeAspect="1"/>
-          </p:cNvPicPr>
-          <p:nvPr/>
-        </p:nvPicPr>
-        <p:blipFill>
-          <a:blip r:embed="rId3"/>
-          <a:srcRect/>
-          <a:stretch/>
-        </p:blipFill>
-        <p:spPr>
-          <a:xfrm>
-            <a:off x="4786009" y="2764272"/>
-            <a:ext cx="716251" cy="758145"/>
-          </a:xfrm>
-          <a:prstGeom prst="rect">
-            <a:avLst/>
-          </a:prstGeom>
-        </p:spPr>
-      </p:pic>
-      <p:pic>
-        <p:nvPicPr>
-          <p:cNvPr id="5" name="Graphic 4" descr="Mathematics with solid fill">
-            <a:extLst>
-              <a:ext uri="{FF2B5EF4-FFF2-40B4-BE49-F238E27FC236}">
-                <a16:creationId xmlns:a16="http://schemas.microsoft.com/office/drawing/2014/main" id="{171C63E7-649B-3ED6-3E10-660C870AB00F}"/>
-              </a:ext>
-            </a:extLst>
-          </p:cNvPr>
-          <p:cNvPicPr>
-            <a:picLocks noChangeAspect="1"/>
-          </p:cNvPicPr>
-          <p:nvPr/>
-        </p:nvPicPr>
-        <p:blipFill>
-          <a:blip r:embed="rId4">
-            <a:extLst>
-              <a:ext uri="{96DAC541-7B7A-43D3-8B79-37D633B846F1}">
-                <asvg:svgBlip xmlns:asvg="http://schemas.microsoft.com/office/drawing/2016/SVG/main" r:embed="rId5"/>
-              </a:ext>
-            </a:extLst>
-          </a:blip>
-          <a:stretch>
-            <a:fillRect/>
-          </a:stretch>
-        </p:blipFill>
-        <p:spPr>
-          <a:xfrm>
-            <a:off x="4666688" y="972446"/>
-            <a:ext cx="914400" cy="914400"/>
-          </a:xfrm>
-          <a:prstGeom prst="rect">
-            <a:avLst/>
-          </a:prstGeom>
-        </p:spPr>
-      </p:pic>
-      <p:pic>
-        <p:nvPicPr>
-          <p:cNvPr id="7" name="Graphic 6" descr="Books on shelf with solid fill">
-            <a:extLst>
-              <a:ext uri="{FF2B5EF4-FFF2-40B4-BE49-F238E27FC236}">
-                <a16:creationId xmlns:a16="http://schemas.microsoft.com/office/drawing/2014/main" id="{23C93CF7-CDCA-FEC7-0D80-17AA72EB42AE}"/>
-              </a:ext>
-            </a:extLst>
-          </p:cNvPr>
-          <p:cNvPicPr>
-            <a:picLocks noChangeAspect="1"/>
-          </p:cNvPicPr>
-          <p:nvPr/>
-        </p:nvPicPr>
-        <p:blipFill>
-          <a:blip r:embed="rId6">
-            <a:extLst>
-              <a:ext uri="{96DAC541-7B7A-43D3-8B79-37D633B846F1}">
-                <asvg:svgBlip xmlns:asvg="http://schemas.microsoft.com/office/drawing/2016/SVG/main" r:embed="rId7"/>
-              </a:ext>
-            </a:extLst>
-          </a:blip>
-          <a:stretch>
-            <a:fillRect/>
-          </a:stretch>
-        </p:blipFill>
-        <p:spPr>
-          <a:xfrm>
-            <a:off x="4639690" y="3816936"/>
-            <a:ext cx="994019" cy="994019"/>
-          </a:xfrm>
-          <a:prstGeom prst="rect">
-            <a:avLst/>
-          </a:prstGeom>
-        </p:spPr>
-      </p:pic>
-    </p:spTree>
-    <p:extLst>
-      <p:ext uri="{BB962C8B-B14F-4D97-AF65-F5344CB8AC3E}">
-        <p14:creationId xmlns:p14="http://schemas.microsoft.com/office/powerpoint/2010/main" val="2519727083"/>
-      </p:ext>
-    </p:extLst>
-  </p:cSld>
-  <p:clrMapOvr>
-    <a:masterClrMapping/>
-  </p:clrMapOvr>
-  <p:transition spd="med">
-    <p:pull/>
-  </p:transition>
 </p:sld>
 </file>
 
@@ -29305,20 +29886,20 @@
 </file>
 
 <file path=customXml/item1.xml><?xml version="1.0" encoding="utf-8"?>
+<p:properties xmlns:p="http://schemas.microsoft.com/office/2006/metadata/properties" xmlns:xsi="http://www.w3.org/2001/XMLSchema-instance" xmlns:pc="http://schemas.microsoft.com/office/infopath/2007/PartnerControls">
+  <documentManagement>
+    <_activity xmlns="c80d803b-ee30-4cf1-8997-d5dbef288d47" xsi:nil="true"/>
+  </documentManagement>
+</p:properties>
+</file>
+
+<file path=customXml/item2.xml><?xml version="1.0" encoding="utf-8"?>
 <?mso-contentType ?>
 <FormTemplates xmlns="http://schemas.microsoft.com/sharepoint/v3/contenttype/forms">
   <Display>DocumentLibraryForm</Display>
   <Edit>DocumentLibraryForm</Edit>
   <New>DocumentLibraryForm</New>
 </FormTemplates>
-</file>
-
-<file path=customXml/item2.xml><?xml version="1.0" encoding="utf-8"?>
-<p:properties xmlns:p="http://schemas.microsoft.com/office/2006/metadata/properties" xmlns:xsi="http://www.w3.org/2001/XMLSchema-instance" xmlns:pc="http://schemas.microsoft.com/office/infopath/2007/PartnerControls">
-  <documentManagement>
-    <_activity xmlns="c80d803b-ee30-4cf1-8997-d5dbef288d47" xsi:nil="true"/>
-  </documentManagement>
-</p:properties>
 </file>
 
 <file path=customXml/item3.xml><?xml version="1.0" encoding="utf-8"?>
@@ -29511,14 +30092,6 @@
 </file>
 
 <file path=customXml/itemProps1.xml><?xml version="1.0" encoding="utf-8"?>
-<ds:datastoreItem xmlns:ds="http://schemas.openxmlformats.org/officeDocument/2006/customXml" ds:itemID="{F8C25491-3B09-4F3E-8C86-936D290E4013}">
-  <ds:schemaRefs>
-    <ds:schemaRef ds:uri="http://schemas.microsoft.com/sharepoint/v3/contenttype/forms"/>
-  </ds:schemaRefs>
-</ds:datastoreItem>
-</file>
-
-<file path=customXml/itemProps2.xml><?xml version="1.0" encoding="utf-8"?>
 <ds:datastoreItem xmlns:ds="http://schemas.openxmlformats.org/officeDocument/2006/customXml" ds:itemID="{F4D5854E-F453-4846-A87D-6EF3DCF73E3E}">
   <ds:schemaRefs>
     <ds:schemaRef ds:uri="1c1e4822-5b82-4cb4-a39e-28e929ec74cb"/>
@@ -29531,6 +30104,14 @@
     <ds:schemaRef ds:uri="http://schemas.openxmlformats.org/package/2006/metadata/core-properties"/>
     <ds:schemaRef ds:uri="http://www.w3.org/XML/1998/namespace"/>
     <ds:schemaRef ds:uri="http://purl.org/dc/dcmitype/"/>
+  </ds:schemaRefs>
+</ds:datastoreItem>
+</file>
+
+<file path=customXml/itemProps2.xml><?xml version="1.0" encoding="utf-8"?>
+<ds:datastoreItem xmlns:ds="http://schemas.openxmlformats.org/officeDocument/2006/customXml" ds:itemID="{F8C25491-3B09-4F3E-8C86-936D290E4013}">
+  <ds:schemaRefs>
+    <ds:schemaRef ds:uri="http://schemas.microsoft.com/sharepoint/v3/contenttype/forms"/>
   </ds:schemaRefs>
 </ds:datastoreItem>
 </file>
